--- a/PRIME/Kurzstipendium/DAAD_experiments.pptx
+++ b/PRIME/Kurzstipendium/DAAD_experiments.pptx
@@ -204,7 +204,7 @@
           <a:p>
             <a:fld id="{B061A044-314D-4329-9682-F6176F300576}" type="datetimeFigureOut">
               <a:rPr lang="en-US" smtClean="0"/>
-              <a:t>3/2/2025</a:t>
+              <a:t>3/4/2025</a:t>
             </a:fld>
             <a:endParaRPr lang="en-US"/>
           </a:p>
@@ -705,7 +705,7 @@
           <a:p>
             <a:fld id="{7733AE6D-9644-4FC2-AE05-59B9DC610BB8}" type="datetimeFigureOut">
               <a:rPr lang="en-US" smtClean="0"/>
-              <a:t>3/2/2025</a:t>
+              <a:t>3/4/2025</a:t>
             </a:fld>
             <a:endParaRPr lang="en-US"/>
           </a:p>
@@ -905,7 +905,7 @@
           <a:p>
             <a:fld id="{7733AE6D-9644-4FC2-AE05-59B9DC610BB8}" type="datetimeFigureOut">
               <a:rPr lang="en-US" smtClean="0"/>
-              <a:t>3/2/2025</a:t>
+              <a:t>3/4/2025</a:t>
             </a:fld>
             <a:endParaRPr lang="en-US"/>
           </a:p>
@@ -1115,7 +1115,7 @@
           <a:p>
             <a:fld id="{7733AE6D-9644-4FC2-AE05-59B9DC610BB8}" type="datetimeFigureOut">
               <a:rPr lang="en-US" smtClean="0"/>
-              <a:t>3/2/2025</a:t>
+              <a:t>3/4/2025</a:t>
             </a:fld>
             <a:endParaRPr lang="en-US"/>
           </a:p>
@@ -1315,7 +1315,7 @@
           <a:p>
             <a:fld id="{7733AE6D-9644-4FC2-AE05-59B9DC610BB8}" type="datetimeFigureOut">
               <a:rPr lang="en-US" smtClean="0"/>
-              <a:t>3/2/2025</a:t>
+              <a:t>3/4/2025</a:t>
             </a:fld>
             <a:endParaRPr lang="en-US"/>
           </a:p>
@@ -1591,7 +1591,7 @@
           <a:p>
             <a:fld id="{7733AE6D-9644-4FC2-AE05-59B9DC610BB8}" type="datetimeFigureOut">
               <a:rPr lang="en-US" smtClean="0"/>
-              <a:t>3/2/2025</a:t>
+              <a:t>3/4/2025</a:t>
             </a:fld>
             <a:endParaRPr lang="en-US"/>
           </a:p>
@@ -1859,7 +1859,7 @@
           <a:p>
             <a:fld id="{7733AE6D-9644-4FC2-AE05-59B9DC610BB8}" type="datetimeFigureOut">
               <a:rPr lang="en-US" smtClean="0"/>
-              <a:t>3/2/2025</a:t>
+              <a:t>3/4/2025</a:t>
             </a:fld>
             <a:endParaRPr lang="en-US"/>
           </a:p>
@@ -2274,7 +2274,7 @@
           <a:p>
             <a:fld id="{7733AE6D-9644-4FC2-AE05-59B9DC610BB8}" type="datetimeFigureOut">
               <a:rPr lang="en-US" smtClean="0"/>
-              <a:t>3/2/2025</a:t>
+              <a:t>3/4/2025</a:t>
             </a:fld>
             <a:endParaRPr lang="en-US"/>
           </a:p>
@@ -2416,7 +2416,7 @@
           <a:p>
             <a:fld id="{7733AE6D-9644-4FC2-AE05-59B9DC610BB8}" type="datetimeFigureOut">
               <a:rPr lang="en-US" smtClean="0"/>
-              <a:t>3/2/2025</a:t>
+              <a:t>3/4/2025</a:t>
             </a:fld>
             <a:endParaRPr lang="en-US"/>
           </a:p>
@@ -2529,7 +2529,7 @@
           <a:p>
             <a:fld id="{7733AE6D-9644-4FC2-AE05-59B9DC610BB8}" type="datetimeFigureOut">
               <a:rPr lang="en-US" smtClean="0"/>
-              <a:t>3/2/2025</a:t>
+              <a:t>3/4/2025</a:t>
             </a:fld>
             <a:endParaRPr lang="en-US"/>
           </a:p>
@@ -2842,7 +2842,7 @@
           <a:p>
             <a:fld id="{7733AE6D-9644-4FC2-AE05-59B9DC610BB8}" type="datetimeFigureOut">
               <a:rPr lang="en-US" smtClean="0"/>
-              <a:t>3/2/2025</a:t>
+              <a:t>3/4/2025</a:t>
             </a:fld>
             <a:endParaRPr lang="en-US"/>
           </a:p>
@@ -3131,7 +3131,7 @@
           <a:p>
             <a:fld id="{7733AE6D-9644-4FC2-AE05-59B9DC610BB8}" type="datetimeFigureOut">
               <a:rPr lang="en-US" smtClean="0"/>
-              <a:t>3/2/2025</a:t>
+              <a:t>3/4/2025</a:t>
             </a:fld>
             <a:endParaRPr lang="en-US"/>
           </a:p>
@@ -3374,7 +3374,7 @@
           <a:p>
             <a:fld id="{7733AE6D-9644-4FC2-AE05-59B9DC610BB8}" type="datetimeFigureOut">
               <a:rPr lang="en-US" smtClean="0"/>
-              <a:t>3/2/2025</a:t>
+              <a:t>3/4/2025</a:t>
             </a:fld>
             <a:endParaRPr lang="en-US"/>
           </a:p>

--- a/PRIME/Kurzstipendium/DAAD_experiments.pptx
+++ b/PRIME/Kurzstipendium/DAAD_experiments.pptx
@@ -204,7 +204,7 @@
           <a:p>
             <a:fld id="{B061A044-314D-4329-9682-F6176F300576}" type="datetimeFigureOut">
               <a:rPr lang="en-US" smtClean="0"/>
-              <a:t>3/4/2025</a:t>
+              <a:t>3/7/2025</a:t>
             </a:fld>
             <a:endParaRPr lang="en-US"/>
           </a:p>
@@ -705,7 +705,7 @@
           <a:p>
             <a:fld id="{7733AE6D-9644-4FC2-AE05-59B9DC610BB8}" type="datetimeFigureOut">
               <a:rPr lang="en-US" smtClean="0"/>
-              <a:t>3/4/2025</a:t>
+              <a:t>3/7/2025</a:t>
             </a:fld>
             <a:endParaRPr lang="en-US"/>
           </a:p>
@@ -905,7 +905,7 @@
           <a:p>
             <a:fld id="{7733AE6D-9644-4FC2-AE05-59B9DC610BB8}" type="datetimeFigureOut">
               <a:rPr lang="en-US" smtClean="0"/>
-              <a:t>3/4/2025</a:t>
+              <a:t>3/7/2025</a:t>
             </a:fld>
             <a:endParaRPr lang="en-US"/>
           </a:p>
@@ -1115,7 +1115,7 @@
           <a:p>
             <a:fld id="{7733AE6D-9644-4FC2-AE05-59B9DC610BB8}" type="datetimeFigureOut">
               <a:rPr lang="en-US" smtClean="0"/>
-              <a:t>3/4/2025</a:t>
+              <a:t>3/7/2025</a:t>
             </a:fld>
             <a:endParaRPr lang="en-US"/>
           </a:p>
@@ -1315,7 +1315,7 @@
           <a:p>
             <a:fld id="{7733AE6D-9644-4FC2-AE05-59B9DC610BB8}" type="datetimeFigureOut">
               <a:rPr lang="en-US" smtClean="0"/>
-              <a:t>3/4/2025</a:t>
+              <a:t>3/7/2025</a:t>
             </a:fld>
             <a:endParaRPr lang="en-US"/>
           </a:p>
@@ -1591,7 +1591,7 @@
           <a:p>
             <a:fld id="{7733AE6D-9644-4FC2-AE05-59B9DC610BB8}" type="datetimeFigureOut">
               <a:rPr lang="en-US" smtClean="0"/>
-              <a:t>3/4/2025</a:t>
+              <a:t>3/7/2025</a:t>
             </a:fld>
             <a:endParaRPr lang="en-US"/>
           </a:p>
@@ -1859,7 +1859,7 @@
           <a:p>
             <a:fld id="{7733AE6D-9644-4FC2-AE05-59B9DC610BB8}" type="datetimeFigureOut">
               <a:rPr lang="en-US" smtClean="0"/>
-              <a:t>3/4/2025</a:t>
+              <a:t>3/7/2025</a:t>
             </a:fld>
             <a:endParaRPr lang="en-US"/>
           </a:p>
@@ -2274,7 +2274,7 @@
           <a:p>
             <a:fld id="{7733AE6D-9644-4FC2-AE05-59B9DC610BB8}" type="datetimeFigureOut">
               <a:rPr lang="en-US" smtClean="0"/>
-              <a:t>3/4/2025</a:t>
+              <a:t>3/7/2025</a:t>
             </a:fld>
             <a:endParaRPr lang="en-US"/>
           </a:p>
@@ -2416,7 +2416,7 @@
           <a:p>
             <a:fld id="{7733AE6D-9644-4FC2-AE05-59B9DC610BB8}" type="datetimeFigureOut">
               <a:rPr lang="en-US" smtClean="0"/>
-              <a:t>3/4/2025</a:t>
+              <a:t>3/7/2025</a:t>
             </a:fld>
             <a:endParaRPr lang="en-US"/>
           </a:p>
@@ -2529,7 +2529,7 @@
           <a:p>
             <a:fld id="{7733AE6D-9644-4FC2-AE05-59B9DC610BB8}" type="datetimeFigureOut">
               <a:rPr lang="en-US" smtClean="0"/>
-              <a:t>3/4/2025</a:t>
+              <a:t>3/7/2025</a:t>
             </a:fld>
             <a:endParaRPr lang="en-US"/>
           </a:p>
@@ -2842,7 +2842,7 @@
           <a:p>
             <a:fld id="{7733AE6D-9644-4FC2-AE05-59B9DC610BB8}" type="datetimeFigureOut">
               <a:rPr lang="en-US" smtClean="0"/>
-              <a:t>3/4/2025</a:t>
+              <a:t>3/7/2025</a:t>
             </a:fld>
             <a:endParaRPr lang="en-US"/>
           </a:p>
@@ -3131,7 +3131,7 @@
           <a:p>
             <a:fld id="{7733AE6D-9644-4FC2-AE05-59B9DC610BB8}" type="datetimeFigureOut">
               <a:rPr lang="en-US" smtClean="0"/>
-              <a:t>3/4/2025</a:t>
+              <a:t>3/7/2025</a:t>
             </a:fld>
             <a:endParaRPr lang="en-US"/>
           </a:p>
@@ -3374,7 +3374,7 @@
           <a:p>
             <a:fld id="{7733AE6D-9644-4FC2-AE05-59B9DC610BB8}" type="datetimeFigureOut">
               <a:rPr lang="en-US" smtClean="0"/>
-              <a:t>3/4/2025</a:t>
+              <a:t>3/7/2025</a:t>
             </a:fld>
             <a:endParaRPr lang="en-US"/>
           </a:p>
@@ -8339,7 +8339,7 @@
           <p:nvPr>
             <p:extLst>
               <p:ext uri="{D42A27DB-BD31-4B8C-83A1-F6EECF244321}">
-                <p14:modId xmlns:p14="http://schemas.microsoft.com/office/powerpoint/2010/main" val="909272278"/>
+                <p14:modId xmlns:p14="http://schemas.microsoft.com/office/powerpoint/2010/main" val="914952650"/>
               </p:ext>
             </p:extLst>
           </p:nvPr>
@@ -8469,22 +8469,6 @@
                       <a:r>
                         <a:rPr lang="de-DE" sz="1200" dirty="0" err="1"/>
                         <a:t>set-up</a:t>
-                      </a:r>
-                      <a:r>
-                        <a:rPr lang="de-DE" sz="1200" dirty="0"/>
-                        <a:t>, </a:t>
-                      </a:r>
-                      <a:r>
-                        <a:rPr lang="de-DE" sz="1200" dirty="0" err="1"/>
-                        <a:t>ethical</a:t>
-                      </a:r>
-                      <a:r>
-                        <a:rPr lang="de-DE" sz="1200" dirty="0"/>
-                        <a:t> </a:t>
-                      </a:r>
-                      <a:r>
-                        <a:rPr lang="de-DE" sz="1200" dirty="0" err="1"/>
-                        <a:t>approval</a:t>
                       </a:r>
                       <a:r>
                         <a:rPr lang="de-DE" sz="1200" dirty="0"/>
@@ -8662,22 +8646,6 @@
                         <a:tabLst/>
                         <a:defRPr/>
                       </a:pPr>
-                      <a:r>
-                        <a:rPr lang="de-DE" sz="1200" dirty="0" err="1"/>
-                        <a:t>ethical</a:t>
-                      </a:r>
-                      <a:r>
-                        <a:rPr lang="de-DE" sz="1200" dirty="0"/>
-                        <a:t> </a:t>
-                      </a:r>
-                      <a:r>
-                        <a:rPr lang="de-DE" sz="1200" dirty="0" err="1"/>
-                        <a:t>approval</a:t>
-                      </a:r>
-                      <a:r>
-                        <a:rPr lang="de-DE" sz="1200" dirty="0"/>
-                        <a:t>, </a:t>
-                      </a:r>
                       <a:r>
                         <a:rPr lang="de-DE" sz="1200" dirty="0" err="1"/>
                         <a:t>preparation</a:t>

--- a/PRIME/Kurzstipendium/DAAD_experiments.pptx
+++ b/PRIME/Kurzstipendium/DAAD_experiments.pptx
@@ -5,7 +5,7 @@
     <p:sldMasterId id="2147483648" r:id="rId1"/>
   </p:sldMasterIdLst>
   <p:notesMasterIdLst>
-    <p:notesMasterId r:id="rId10"/>
+    <p:notesMasterId r:id="rId11"/>
   </p:notesMasterIdLst>
   <p:sldIdLst>
     <p:sldId id="256" r:id="rId2"/>
@@ -15,7 +15,8 @@
     <p:sldId id="262" r:id="rId6"/>
     <p:sldId id="259" r:id="rId7"/>
     <p:sldId id="260" r:id="rId8"/>
-    <p:sldId id="265" r:id="rId9"/>
+    <p:sldId id="266" r:id="rId9"/>
+    <p:sldId id="265" r:id="rId10"/>
   </p:sldIdLst>
   <p:sldSz cx="12192000" cy="6858000"/>
   <p:notesSz cx="6858000" cy="9144000"/>
@@ -204,7 +205,7 @@
           <a:p>
             <a:fld id="{B061A044-314D-4329-9682-F6176F300576}" type="datetimeFigureOut">
               <a:rPr lang="en-US" smtClean="0"/>
-              <a:t>3/7/2025</a:t>
+              <a:t>3/9/2025</a:t>
             </a:fld>
             <a:endParaRPr lang="en-US"/>
           </a:p>
@@ -537,7 +538,7 @@
           <a:p>
             <a:fld id="{66897254-8802-4506-9D03-E17E865AF476}" type="slidenum">
               <a:rPr lang="en-US" smtClean="0"/>
-              <a:t>8</a:t>
+              <a:t>9</a:t>
             </a:fld>
             <a:endParaRPr lang="en-US"/>
           </a:p>
@@ -705,7 +706,7 @@
           <a:p>
             <a:fld id="{7733AE6D-9644-4FC2-AE05-59B9DC610BB8}" type="datetimeFigureOut">
               <a:rPr lang="en-US" smtClean="0"/>
-              <a:t>3/7/2025</a:t>
+              <a:t>3/9/2025</a:t>
             </a:fld>
             <a:endParaRPr lang="en-US"/>
           </a:p>
@@ -905,7 +906,7 @@
           <a:p>
             <a:fld id="{7733AE6D-9644-4FC2-AE05-59B9DC610BB8}" type="datetimeFigureOut">
               <a:rPr lang="en-US" smtClean="0"/>
-              <a:t>3/7/2025</a:t>
+              <a:t>3/9/2025</a:t>
             </a:fld>
             <a:endParaRPr lang="en-US"/>
           </a:p>
@@ -1115,7 +1116,7 @@
           <a:p>
             <a:fld id="{7733AE6D-9644-4FC2-AE05-59B9DC610BB8}" type="datetimeFigureOut">
               <a:rPr lang="en-US" smtClean="0"/>
-              <a:t>3/7/2025</a:t>
+              <a:t>3/9/2025</a:t>
             </a:fld>
             <a:endParaRPr lang="en-US"/>
           </a:p>
@@ -1315,7 +1316,7 @@
           <a:p>
             <a:fld id="{7733AE6D-9644-4FC2-AE05-59B9DC610BB8}" type="datetimeFigureOut">
               <a:rPr lang="en-US" smtClean="0"/>
-              <a:t>3/7/2025</a:t>
+              <a:t>3/9/2025</a:t>
             </a:fld>
             <a:endParaRPr lang="en-US"/>
           </a:p>
@@ -1591,7 +1592,7 @@
           <a:p>
             <a:fld id="{7733AE6D-9644-4FC2-AE05-59B9DC610BB8}" type="datetimeFigureOut">
               <a:rPr lang="en-US" smtClean="0"/>
-              <a:t>3/7/2025</a:t>
+              <a:t>3/9/2025</a:t>
             </a:fld>
             <a:endParaRPr lang="en-US"/>
           </a:p>
@@ -1859,7 +1860,7 @@
           <a:p>
             <a:fld id="{7733AE6D-9644-4FC2-AE05-59B9DC610BB8}" type="datetimeFigureOut">
               <a:rPr lang="en-US" smtClean="0"/>
-              <a:t>3/7/2025</a:t>
+              <a:t>3/9/2025</a:t>
             </a:fld>
             <a:endParaRPr lang="en-US"/>
           </a:p>
@@ -2274,7 +2275,7 @@
           <a:p>
             <a:fld id="{7733AE6D-9644-4FC2-AE05-59B9DC610BB8}" type="datetimeFigureOut">
               <a:rPr lang="en-US" smtClean="0"/>
-              <a:t>3/7/2025</a:t>
+              <a:t>3/9/2025</a:t>
             </a:fld>
             <a:endParaRPr lang="en-US"/>
           </a:p>
@@ -2416,7 +2417,7 @@
           <a:p>
             <a:fld id="{7733AE6D-9644-4FC2-AE05-59B9DC610BB8}" type="datetimeFigureOut">
               <a:rPr lang="en-US" smtClean="0"/>
-              <a:t>3/7/2025</a:t>
+              <a:t>3/9/2025</a:t>
             </a:fld>
             <a:endParaRPr lang="en-US"/>
           </a:p>
@@ -2529,7 +2530,7 @@
           <a:p>
             <a:fld id="{7733AE6D-9644-4FC2-AE05-59B9DC610BB8}" type="datetimeFigureOut">
               <a:rPr lang="en-US" smtClean="0"/>
-              <a:t>3/7/2025</a:t>
+              <a:t>3/9/2025</a:t>
             </a:fld>
             <a:endParaRPr lang="en-US"/>
           </a:p>
@@ -2842,7 +2843,7 @@
           <a:p>
             <a:fld id="{7733AE6D-9644-4FC2-AE05-59B9DC610BB8}" type="datetimeFigureOut">
               <a:rPr lang="en-US" smtClean="0"/>
-              <a:t>3/7/2025</a:t>
+              <a:t>3/9/2025</a:t>
             </a:fld>
             <a:endParaRPr lang="en-US"/>
           </a:p>
@@ -3131,7 +3132,7 @@
           <a:p>
             <a:fld id="{7733AE6D-9644-4FC2-AE05-59B9DC610BB8}" type="datetimeFigureOut">
               <a:rPr lang="en-US" smtClean="0"/>
-              <a:t>3/7/2025</a:t>
+              <a:t>3/9/2025</a:t>
             </a:fld>
             <a:endParaRPr lang="en-US"/>
           </a:p>
@@ -3374,7 +3375,7 @@
           <a:p>
             <a:fld id="{7733AE6D-9644-4FC2-AE05-59B9DC610BB8}" type="datetimeFigureOut">
               <a:rPr lang="en-US" smtClean="0"/>
-              <a:t>3/7/2025</a:t>
+              <a:t>3/9/2025</a:t>
             </a:fld>
             <a:endParaRPr lang="en-US"/>
           </a:p>
@@ -6050,7 +6051,7 @@
         </p:nvGrpSpPr>
         <p:grpSpPr>
           <a:xfrm>
-            <a:off x="3930625" y="3538331"/>
+            <a:off x="3930625" y="3520476"/>
             <a:ext cx="3050622" cy="2092810"/>
             <a:chOff x="4444014" y="4396487"/>
             <a:chExt cx="2055647" cy="1298849"/>
@@ -6985,7 +6986,7 @@
         </p:nvSpPr>
         <p:spPr>
           <a:xfrm>
-            <a:off x="2847423" y="3444903"/>
+            <a:off x="2847423" y="3427048"/>
             <a:ext cx="1075936" cy="369332"/>
           </a:xfrm>
           <a:prstGeom prst="rect">
@@ -7043,7 +7044,7 @@
         </p:nvSpPr>
         <p:spPr>
           <a:xfrm>
-            <a:off x="2854691" y="5222367"/>
+            <a:off x="2854691" y="5204512"/>
             <a:ext cx="966931" cy="369332"/>
           </a:xfrm>
           <a:prstGeom prst="rect">
@@ -7093,7 +7094,7 @@
         </p:nvSpPr>
         <p:spPr>
           <a:xfrm>
-            <a:off x="4893713" y="5662148"/>
+            <a:off x="4893713" y="5644293"/>
             <a:ext cx="1556836" cy="230832"/>
           </a:xfrm>
           <a:prstGeom prst="rect">
@@ -7141,7 +7142,7 @@
         </p:nvSpPr>
         <p:spPr>
           <a:xfrm>
-            <a:off x="3821622" y="5637277"/>
+            <a:off x="3821622" y="5619422"/>
             <a:ext cx="577402" cy="369332"/>
           </a:xfrm>
           <a:prstGeom prst="rect">
@@ -7183,7 +7184,7 @@
         </p:nvSpPr>
         <p:spPr>
           <a:xfrm>
-            <a:off x="6450549" y="5637277"/>
+            <a:off x="6450549" y="5619422"/>
             <a:ext cx="678391" cy="369332"/>
           </a:xfrm>
           <a:prstGeom prst="rect">
@@ -7231,7 +7232,7 @@
         </p:nvCxnSpPr>
         <p:spPr>
           <a:xfrm flipH="1">
-            <a:off x="6581507" y="3538331"/>
+            <a:off x="6581507" y="3520476"/>
             <a:ext cx="940427" cy="204684"/>
           </a:xfrm>
           <a:prstGeom prst="straightConnector1">
@@ -7270,7 +7271,7 @@
         </p:nvSpPr>
         <p:spPr>
           <a:xfrm>
-            <a:off x="7603536" y="3373683"/>
+            <a:off x="7603536" y="3355828"/>
             <a:ext cx="2614818" cy="230832"/>
           </a:xfrm>
           <a:prstGeom prst="rect">
@@ -7370,7 +7371,7 @@
         </p:nvSpPr>
         <p:spPr>
           <a:xfrm>
-            <a:off x="7660520" y="3992181"/>
+            <a:off x="7660520" y="3974326"/>
             <a:ext cx="3520516" cy="230832"/>
           </a:xfrm>
           <a:prstGeom prst="rect">
@@ -7466,7 +7467,7 @@
         </p:nvSpPr>
         <p:spPr>
           <a:xfrm>
-            <a:off x="7660520" y="4651903"/>
+            <a:off x="7660520" y="4634048"/>
             <a:ext cx="3510898" cy="230832"/>
           </a:xfrm>
           <a:prstGeom prst="rect">
@@ -7568,7 +7569,7 @@
         </p:nvCxnSpPr>
         <p:spPr>
           <a:xfrm flipH="1" flipV="1">
-            <a:off x="5954063" y="4651903"/>
+            <a:off x="5954063" y="4634048"/>
             <a:ext cx="1706457" cy="115416"/>
           </a:xfrm>
           <a:prstGeom prst="straightConnector1">
@@ -8275,6 +8276,1834 @@
 </file>
 
 <file path=ppt/slides/slide8.xml><?xml version="1.0" encoding="utf-8"?>
+<p:sld xmlns:a="http://schemas.openxmlformats.org/drawingml/2006/main" xmlns:r="http://schemas.openxmlformats.org/officeDocument/2006/relationships" xmlns:p="http://schemas.openxmlformats.org/presentationml/2006/main">
+  <p:cSld>
+    <p:spTree>
+      <p:nvGrpSpPr>
+        <p:cNvPr id="1" name=""/>
+        <p:cNvGrpSpPr/>
+        <p:nvPr/>
+      </p:nvGrpSpPr>
+      <p:grpSpPr>
+        <a:xfrm>
+          <a:off x="0" y="0"/>
+          <a:ext cx="0" cy="0"/>
+          <a:chOff x="0" y="0"/>
+          <a:chExt cx="0" cy="0"/>
+        </a:xfrm>
+      </p:grpSpPr>
+      <p:cxnSp>
+        <p:nvCxnSpPr>
+          <p:cNvPr id="5" name="Gerade Verbindung mit Pfeil 4">
+            <a:extLst>
+              <a:ext uri="{FF2B5EF4-FFF2-40B4-BE49-F238E27FC236}">
+                <a16:creationId xmlns:a16="http://schemas.microsoft.com/office/drawing/2014/main" id="{E1DDB5BA-8981-73AC-3F6F-49D051532103}"/>
+              </a:ext>
+            </a:extLst>
+          </p:cNvPr>
+          <p:cNvCxnSpPr>
+            <a:cxnSpLocks/>
+          </p:cNvCxnSpPr>
+          <p:nvPr/>
+        </p:nvCxnSpPr>
+        <p:spPr>
+          <a:xfrm flipV="1">
+            <a:off x="2164494" y="1936928"/>
+            <a:ext cx="0" cy="2697120"/>
+          </a:xfrm>
+          <a:prstGeom prst="straightConnector1">
+            <a:avLst/>
+          </a:prstGeom>
+          <a:ln w="22225">
+            <a:solidFill>
+              <a:schemeClr val="tx1"/>
+            </a:solidFill>
+            <a:tailEnd type="arrow"/>
+          </a:ln>
+        </p:spPr>
+        <p:style>
+          <a:lnRef idx="1">
+            <a:schemeClr val="accent1"/>
+          </a:lnRef>
+          <a:fillRef idx="0">
+            <a:schemeClr val="accent1"/>
+          </a:fillRef>
+          <a:effectRef idx="0">
+            <a:schemeClr val="accent1"/>
+          </a:effectRef>
+          <a:fontRef idx="minor">
+            <a:schemeClr val="tx1"/>
+          </a:fontRef>
+        </p:style>
+      </p:cxnSp>
+      <p:cxnSp>
+        <p:nvCxnSpPr>
+          <p:cNvPr id="6" name="Gerade Verbindung mit Pfeil 5">
+            <a:extLst>
+              <a:ext uri="{FF2B5EF4-FFF2-40B4-BE49-F238E27FC236}">
+                <a16:creationId xmlns:a16="http://schemas.microsoft.com/office/drawing/2014/main" id="{48FDCB20-AC9C-3CE7-B43C-521ED5113EAD}"/>
+              </a:ext>
+            </a:extLst>
+          </p:cNvPr>
+          <p:cNvCxnSpPr>
+            <a:cxnSpLocks/>
+          </p:cNvCxnSpPr>
+          <p:nvPr/>
+        </p:nvCxnSpPr>
+        <p:spPr>
+          <a:xfrm>
+            <a:off x="2164494" y="4634048"/>
+            <a:ext cx="3844199" cy="0"/>
+          </a:xfrm>
+          <a:prstGeom prst="straightConnector1">
+            <a:avLst/>
+          </a:prstGeom>
+          <a:ln w="22225">
+            <a:solidFill>
+              <a:schemeClr val="tx1"/>
+            </a:solidFill>
+            <a:tailEnd type="arrow"/>
+          </a:ln>
+        </p:spPr>
+        <p:style>
+          <a:lnRef idx="1">
+            <a:schemeClr val="accent1"/>
+          </a:lnRef>
+          <a:fillRef idx="0">
+            <a:schemeClr val="accent1"/>
+          </a:fillRef>
+          <a:effectRef idx="0">
+            <a:schemeClr val="accent1"/>
+          </a:effectRef>
+          <a:fontRef idx="minor">
+            <a:schemeClr val="tx1"/>
+          </a:fontRef>
+        </p:style>
+      </p:cxnSp>
+      <p:sp>
+        <p:nvSpPr>
+          <p:cNvPr id="7" name="Freihandform 35">
+            <a:extLst>
+              <a:ext uri="{FF2B5EF4-FFF2-40B4-BE49-F238E27FC236}">
+                <a16:creationId xmlns:a16="http://schemas.microsoft.com/office/drawing/2014/main" id="{923006A1-9E05-6771-2407-7BCB52316B9C}"/>
+              </a:ext>
+            </a:extLst>
+          </p:cNvPr>
+          <p:cNvSpPr/>
+          <p:nvPr/>
+        </p:nvSpPr>
+        <p:spPr>
+          <a:xfrm>
+            <a:off x="2862009" y="2200716"/>
+            <a:ext cx="2718824" cy="2377627"/>
+          </a:xfrm>
+          <a:custGeom>
+            <a:avLst/>
+            <a:gdLst>
+              <a:gd name="connsiteX0" fmla="*/ 0 w 4876800"/>
+              <a:gd name="connsiteY0" fmla="*/ 2400300 h 2408046"/>
+              <a:gd name="connsiteX1" fmla="*/ 266700 w 4876800"/>
+              <a:gd name="connsiteY1" fmla="*/ 2390775 h 2408046"/>
+              <a:gd name="connsiteX2" fmla="*/ 942975 w 4876800"/>
+              <a:gd name="connsiteY2" fmla="*/ 2247900 h 2408046"/>
+              <a:gd name="connsiteX3" fmla="*/ 1714500 w 4876800"/>
+              <a:gd name="connsiteY3" fmla="*/ 1847850 h 2408046"/>
+              <a:gd name="connsiteX4" fmla="*/ 2314575 w 4876800"/>
+              <a:gd name="connsiteY4" fmla="*/ 1266825 h 2408046"/>
+              <a:gd name="connsiteX5" fmla="*/ 3000375 w 4876800"/>
+              <a:gd name="connsiteY5" fmla="*/ 590550 h 2408046"/>
+              <a:gd name="connsiteX6" fmla="*/ 3676650 w 4876800"/>
+              <a:gd name="connsiteY6" fmla="*/ 190500 h 2408046"/>
+              <a:gd name="connsiteX7" fmla="*/ 4324350 w 4876800"/>
+              <a:gd name="connsiteY7" fmla="*/ 19050 h 2408046"/>
+              <a:gd name="connsiteX8" fmla="*/ 4876800 w 4876800"/>
+              <a:gd name="connsiteY8" fmla="*/ 0 h 2408046"/>
+            </a:gdLst>
+            <a:ahLst/>
+            <a:cxnLst>
+              <a:cxn ang="0">
+                <a:pos x="connsiteX0" y="connsiteY0"/>
+              </a:cxn>
+              <a:cxn ang="0">
+                <a:pos x="connsiteX1" y="connsiteY1"/>
+              </a:cxn>
+              <a:cxn ang="0">
+                <a:pos x="connsiteX2" y="connsiteY2"/>
+              </a:cxn>
+              <a:cxn ang="0">
+                <a:pos x="connsiteX3" y="connsiteY3"/>
+              </a:cxn>
+              <a:cxn ang="0">
+                <a:pos x="connsiteX4" y="connsiteY4"/>
+              </a:cxn>
+              <a:cxn ang="0">
+                <a:pos x="connsiteX5" y="connsiteY5"/>
+              </a:cxn>
+              <a:cxn ang="0">
+                <a:pos x="connsiteX6" y="connsiteY6"/>
+              </a:cxn>
+              <a:cxn ang="0">
+                <a:pos x="connsiteX7" y="connsiteY7"/>
+              </a:cxn>
+              <a:cxn ang="0">
+                <a:pos x="connsiteX8" y="connsiteY8"/>
+              </a:cxn>
+            </a:cxnLst>
+            <a:rect l="l" t="t" r="r" b="b"/>
+            <a:pathLst>
+              <a:path w="4876800" h="2408046">
+                <a:moveTo>
+                  <a:pt x="0" y="2400300"/>
+                </a:moveTo>
+                <a:cubicBezTo>
+                  <a:pt x="54769" y="2408237"/>
+                  <a:pt x="109538" y="2416175"/>
+                  <a:pt x="266700" y="2390775"/>
+                </a:cubicBezTo>
+                <a:cubicBezTo>
+                  <a:pt x="423862" y="2365375"/>
+                  <a:pt x="701675" y="2338387"/>
+                  <a:pt x="942975" y="2247900"/>
+                </a:cubicBezTo>
+                <a:cubicBezTo>
+                  <a:pt x="1184275" y="2157413"/>
+                  <a:pt x="1485900" y="2011362"/>
+                  <a:pt x="1714500" y="1847850"/>
+                </a:cubicBezTo>
+                <a:cubicBezTo>
+                  <a:pt x="1943100" y="1684338"/>
+                  <a:pt x="2314575" y="1266825"/>
+                  <a:pt x="2314575" y="1266825"/>
+                </a:cubicBezTo>
+                <a:cubicBezTo>
+                  <a:pt x="2528887" y="1057275"/>
+                  <a:pt x="2773363" y="769937"/>
+                  <a:pt x="3000375" y="590550"/>
+                </a:cubicBezTo>
+                <a:cubicBezTo>
+                  <a:pt x="3227387" y="411163"/>
+                  <a:pt x="3455988" y="285750"/>
+                  <a:pt x="3676650" y="190500"/>
+                </a:cubicBezTo>
+                <a:cubicBezTo>
+                  <a:pt x="3897312" y="95250"/>
+                  <a:pt x="4124325" y="50800"/>
+                  <a:pt x="4324350" y="19050"/>
+                </a:cubicBezTo>
+                <a:cubicBezTo>
+                  <a:pt x="4524375" y="-12700"/>
+                  <a:pt x="4792663" y="6350"/>
+                  <a:pt x="4876800" y="0"/>
+                </a:cubicBezTo>
+              </a:path>
+            </a:pathLst>
+          </a:custGeom>
+          <a:noFill/>
+          <a:ln w="28575">
+            <a:solidFill>
+              <a:schemeClr val="tx1"/>
+            </a:solidFill>
+            <a:prstDash val="dash"/>
+          </a:ln>
+        </p:spPr>
+        <p:style>
+          <a:lnRef idx="2">
+            <a:schemeClr val="accent1">
+              <a:shade val="50000"/>
+            </a:schemeClr>
+          </a:lnRef>
+          <a:fillRef idx="1">
+            <a:schemeClr val="accent1"/>
+          </a:fillRef>
+          <a:effectRef idx="0">
+            <a:schemeClr val="accent1"/>
+          </a:effectRef>
+          <a:fontRef idx="minor">
+            <a:schemeClr val="lt1"/>
+          </a:fontRef>
+        </p:style>
+        <p:txBody>
+          <a:bodyPr rot="0" spcFirstLastPara="0" vert="horz" wrap="square" lIns="91440" tIns="45720" rIns="91440" bIns="45720" numCol="1" spcCol="0" rtlCol="0" fromWordArt="0" anchor="t" anchorCtr="0" forceAA="0" compatLnSpc="1">
+            <a:prstTxWarp prst="textNoShape">
+              <a:avLst/>
+            </a:prstTxWarp>
+            <a:noAutofit/>
+          </a:bodyPr>
+          <a:lstStyle>
+            <a:defPPr>
+              <a:defRPr lang="de-DE"/>
+            </a:defPPr>
+            <a:lvl1pPr marL="0" algn="l" defTabSz="914400" rtl="0" eaLnBrk="1" latinLnBrk="0" hangingPunct="1">
+              <a:defRPr sz="1800" kern="1200">
+                <a:solidFill>
+                  <a:schemeClr val="lt1"/>
+                </a:solidFill>
+                <a:latin typeface="+mn-lt"/>
+                <a:ea typeface="+mn-ea"/>
+                <a:cs typeface="+mn-cs"/>
+              </a:defRPr>
+            </a:lvl1pPr>
+            <a:lvl2pPr marL="457200" algn="l" defTabSz="914400" rtl="0" eaLnBrk="1" latinLnBrk="0" hangingPunct="1">
+              <a:defRPr sz="1800" kern="1200">
+                <a:solidFill>
+                  <a:schemeClr val="lt1"/>
+                </a:solidFill>
+                <a:latin typeface="+mn-lt"/>
+                <a:ea typeface="+mn-ea"/>
+                <a:cs typeface="+mn-cs"/>
+              </a:defRPr>
+            </a:lvl2pPr>
+            <a:lvl3pPr marL="914400" algn="l" defTabSz="914400" rtl="0" eaLnBrk="1" latinLnBrk="0" hangingPunct="1">
+              <a:defRPr sz="1800" kern="1200">
+                <a:solidFill>
+                  <a:schemeClr val="lt1"/>
+                </a:solidFill>
+                <a:latin typeface="+mn-lt"/>
+                <a:ea typeface="+mn-ea"/>
+                <a:cs typeface="+mn-cs"/>
+              </a:defRPr>
+            </a:lvl3pPr>
+            <a:lvl4pPr marL="1371600" algn="l" defTabSz="914400" rtl="0" eaLnBrk="1" latinLnBrk="0" hangingPunct="1">
+              <a:defRPr sz="1800" kern="1200">
+                <a:solidFill>
+                  <a:schemeClr val="lt1"/>
+                </a:solidFill>
+                <a:latin typeface="+mn-lt"/>
+                <a:ea typeface="+mn-ea"/>
+                <a:cs typeface="+mn-cs"/>
+              </a:defRPr>
+            </a:lvl4pPr>
+            <a:lvl5pPr marL="1828800" algn="l" defTabSz="914400" rtl="0" eaLnBrk="1" latinLnBrk="0" hangingPunct="1">
+              <a:defRPr sz="1800" kern="1200">
+                <a:solidFill>
+                  <a:schemeClr val="lt1"/>
+                </a:solidFill>
+                <a:latin typeface="+mn-lt"/>
+                <a:ea typeface="+mn-ea"/>
+                <a:cs typeface="+mn-cs"/>
+              </a:defRPr>
+            </a:lvl5pPr>
+            <a:lvl6pPr marL="2286000" algn="l" defTabSz="914400" rtl="0" eaLnBrk="1" latinLnBrk="0" hangingPunct="1">
+              <a:defRPr sz="1800" kern="1200">
+                <a:solidFill>
+                  <a:schemeClr val="lt1"/>
+                </a:solidFill>
+                <a:latin typeface="+mn-lt"/>
+                <a:ea typeface="+mn-ea"/>
+                <a:cs typeface="+mn-cs"/>
+              </a:defRPr>
+            </a:lvl6pPr>
+            <a:lvl7pPr marL="2743200" algn="l" defTabSz="914400" rtl="0" eaLnBrk="1" latinLnBrk="0" hangingPunct="1">
+              <a:defRPr sz="1800" kern="1200">
+                <a:solidFill>
+                  <a:schemeClr val="lt1"/>
+                </a:solidFill>
+                <a:latin typeface="+mn-lt"/>
+                <a:ea typeface="+mn-ea"/>
+                <a:cs typeface="+mn-cs"/>
+              </a:defRPr>
+            </a:lvl7pPr>
+            <a:lvl8pPr marL="3200400" algn="l" defTabSz="914400" rtl="0" eaLnBrk="1" latinLnBrk="0" hangingPunct="1">
+              <a:defRPr sz="1800" kern="1200">
+                <a:solidFill>
+                  <a:schemeClr val="lt1"/>
+                </a:solidFill>
+                <a:latin typeface="+mn-lt"/>
+                <a:ea typeface="+mn-ea"/>
+                <a:cs typeface="+mn-cs"/>
+              </a:defRPr>
+            </a:lvl8pPr>
+            <a:lvl9pPr marL="3657600" algn="l" defTabSz="914400" rtl="0" eaLnBrk="1" latinLnBrk="0" hangingPunct="1">
+              <a:defRPr sz="1800" kern="1200">
+                <a:solidFill>
+                  <a:schemeClr val="lt1"/>
+                </a:solidFill>
+                <a:latin typeface="+mn-lt"/>
+                <a:ea typeface="+mn-ea"/>
+                <a:cs typeface="+mn-cs"/>
+              </a:defRPr>
+            </a:lvl9pPr>
+          </a:lstStyle>
+          <a:p>
+            <a:pPr algn="l"/>
+            <a:endParaRPr lang="de-DE" sz="1100" dirty="0"/>
+          </a:p>
+        </p:txBody>
+      </p:sp>
+      <p:sp>
+        <p:nvSpPr>
+          <p:cNvPr id="8" name="Freihandform 14">
+            <a:extLst>
+              <a:ext uri="{FF2B5EF4-FFF2-40B4-BE49-F238E27FC236}">
+                <a16:creationId xmlns:a16="http://schemas.microsoft.com/office/drawing/2014/main" id="{6E48F54E-7D5E-83AB-2AD4-9882C21AA247}"/>
+              </a:ext>
+            </a:extLst>
+          </p:cNvPr>
+          <p:cNvSpPr/>
+          <p:nvPr/>
+        </p:nvSpPr>
+        <p:spPr>
+          <a:xfrm>
+            <a:off x="3377176" y="2252222"/>
+            <a:ext cx="2718824" cy="2377627"/>
+          </a:xfrm>
+          <a:custGeom>
+            <a:avLst/>
+            <a:gdLst>
+              <a:gd name="connsiteX0" fmla="*/ 0 w 4876800"/>
+              <a:gd name="connsiteY0" fmla="*/ 2400300 h 2408046"/>
+              <a:gd name="connsiteX1" fmla="*/ 266700 w 4876800"/>
+              <a:gd name="connsiteY1" fmla="*/ 2390775 h 2408046"/>
+              <a:gd name="connsiteX2" fmla="*/ 942975 w 4876800"/>
+              <a:gd name="connsiteY2" fmla="*/ 2247900 h 2408046"/>
+              <a:gd name="connsiteX3" fmla="*/ 1714500 w 4876800"/>
+              <a:gd name="connsiteY3" fmla="*/ 1847850 h 2408046"/>
+              <a:gd name="connsiteX4" fmla="*/ 2314575 w 4876800"/>
+              <a:gd name="connsiteY4" fmla="*/ 1266825 h 2408046"/>
+              <a:gd name="connsiteX5" fmla="*/ 3000375 w 4876800"/>
+              <a:gd name="connsiteY5" fmla="*/ 590550 h 2408046"/>
+              <a:gd name="connsiteX6" fmla="*/ 3676650 w 4876800"/>
+              <a:gd name="connsiteY6" fmla="*/ 190500 h 2408046"/>
+              <a:gd name="connsiteX7" fmla="*/ 4324350 w 4876800"/>
+              <a:gd name="connsiteY7" fmla="*/ 19050 h 2408046"/>
+              <a:gd name="connsiteX8" fmla="*/ 4876800 w 4876800"/>
+              <a:gd name="connsiteY8" fmla="*/ 0 h 2408046"/>
+            </a:gdLst>
+            <a:ahLst/>
+            <a:cxnLst>
+              <a:cxn ang="0">
+                <a:pos x="connsiteX0" y="connsiteY0"/>
+              </a:cxn>
+              <a:cxn ang="0">
+                <a:pos x="connsiteX1" y="connsiteY1"/>
+              </a:cxn>
+              <a:cxn ang="0">
+                <a:pos x="connsiteX2" y="connsiteY2"/>
+              </a:cxn>
+              <a:cxn ang="0">
+                <a:pos x="connsiteX3" y="connsiteY3"/>
+              </a:cxn>
+              <a:cxn ang="0">
+                <a:pos x="connsiteX4" y="connsiteY4"/>
+              </a:cxn>
+              <a:cxn ang="0">
+                <a:pos x="connsiteX5" y="connsiteY5"/>
+              </a:cxn>
+              <a:cxn ang="0">
+                <a:pos x="connsiteX6" y="connsiteY6"/>
+              </a:cxn>
+              <a:cxn ang="0">
+                <a:pos x="connsiteX7" y="connsiteY7"/>
+              </a:cxn>
+              <a:cxn ang="0">
+                <a:pos x="connsiteX8" y="connsiteY8"/>
+              </a:cxn>
+            </a:cxnLst>
+            <a:rect l="l" t="t" r="r" b="b"/>
+            <a:pathLst>
+              <a:path w="4876800" h="2408046">
+                <a:moveTo>
+                  <a:pt x="0" y="2400300"/>
+                </a:moveTo>
+                <a:cubicBezTo>
+                  <a:pt x="54769" y="2408237"/>
+                  <a:pt x="109538" y="2416175"/>
+                  <a:pt x="266700" y="2390775"/>
+                </a:cubicBezTo>
+                <a:cubicBezTo>
+                  <a:pt x="423862" y="2365375"/>
+                  <a:pt x="701675" y="2338387"/>
+                  <a:pt x="942975" y="2247900"/>
+                </a:cubicBezTo>
+                <a:cubicBezTo>
+                  <a:pt x="1184275" y="2157413"/>
+                  <a:pt x="1485900" y="2011362"/>
+                  <a:pt x="1714500" y="1847850"/>
+                </a:cubicBezTo>
+                <a:cubicBezTo>
+                  <a:pt x="1943100" y="1684338"/>
+                  <a:pt x="2314575" y="1266825"/>
+                  <a:pt x="2314575" y="1266825"/>
+                </a:cubicBezTo>
+                <a:cubicBezTo>
+                  <a:pt x="2528887" y="1057275"/>
+                  <a:pt x="2773363" y="769937"/>
+                  <a:pt x="3000375" y="590550"/>
+                </a:cubicBezTo>
+                <a:cubicBezTo>
+                  <a:pt x="3227387" y="411163"/>
+                  <a:pt x="3455988" y="285750"/>
+                  <a:pt x="3676650" y="190500"/>
+                </a:cubicBezTo>
+                <a:cubicBezTo>
+                  <a:pt x="3897312" y="95250"/>
+                  <a:pt x="4124325" y="50800"/>
+                  <a:pt x="4324350" y="19050"/>
+                </a:cubicBezTo>
+                <a:cubicBezTo>
+                  <a:pt x="4524375" y="-12700"/>
+                  <a:pt x="4792663" y="6350"/>
+                  <a:pt x="4876800" y="0"/>
+                </a:cubicBezTo>
+              </a:path>
+            </a:pathLst>
+          </a:custGeom>
+          <a:ln w="28575"/>
+        </p:spPr>
+        <p:style>
+          <a:lnRef idx="2">
+            <a:schemeClr val="accent2"/>
+          </a:lnRef>
+          <a:fillRef idx="0">
+            <a:schemeClr val="accent2"/>
+          </a:fillRef>
+          <a:effectRef idx="1">
+            <a:schemeClr val="accent2"/>
+          </a:effectRef>
+          <a:fontRef idx="minor">
+            <a:schemeClr val="tx1"/>
+          </a:fontRef>
+        </p:style>
+        <p:txBody>
+          <a:bodyPr rot="0" spcFirstLastPara="0" vert="horz" wrap="square" lIns="91440" tIns="45720" rIns="91440" bIns="45720" numCol="1" spcCol="0" rtlCol="0" fromWordArt="0" anchor="t" anchorCtr="0" forceAA="0" compatLnSpc="1">
+            <a:prstTxWarp prst="textNoShape">
+              <a:avLst/>
+            </a:prstTxWarp>
+            <a:noAutofit/>
+          </a:bodyPr>
+          <a:lstStyle>
+            <a:defPPr>
+              <a:defRPr lang="de-DE"/>
+            </a:defPPr>
+            <a:lvl1pPr marL="0" algn="l" defTabSz="914400" rtl="0" eaLnBrk="1" latinLnBrk="0" hangingPunct="1">
+              <a:defRPr sz="1800" kern="1200">
+                <a:solidFill>
+                  <a:schemeClr val="lt1"/>
+                </a:solidFill>
+                <a:latin typeface="+mn-lt"/>
+                <a:ea typeface="+mn-ea"/>
+                <a:cs typeface="+mn-cs"/>
+              </a:defRPr>
+            </a:lvl1pPr>
+            <a:lvl2pPr marL="457200" algn="l" defTabSz="914400" rtl="0" eaLnBrk="1" latinLnBrk="0" hangingPunct="1">
+              <a:defRPr sz="1800" kern="1200">
+                <a:solidFill>
+                  <a:schemeClr val="lt1"/>
+                </a:solidFill>
+                <a:latin typeface="+mn-lt"/>
+                <a:ea typeface="+mn-ea"/>
+                <a:cs typeface="+mn-cs"/>
+              </a:defRPr>
+            </a:lvl2pPr>
+            <a:lvl3pPr marL="914400" algn="l" defTabSz="914400" rtl="0" eaLnBrk="1" latinLnBrk="0" hangingPunct="1">
+              <a:defRPr sz="1800" kern="1200">
+                <a:solidFill>
+                  <a:schemeClr val="lt1"/>
+                </a:solidFill>
+                <a:latin typeface="+mn-lt"/>
+                <a:ea typeface="+mn-ea"/>
+                <a:cs typeface="+mn-cs"/>
+              </a:defRPr>
+            </a:lvl3pPr>
+            <a:lvl4pPr marL="1371600" algn="l" defTabSz="914400" rtl="0" eaLnBrk="1" latinLnBrk="0" hangingPunct="1">
+              <a:defRPr sz="1800" kern="1200">
+                <a:solidFill>
+                  <a:schemeClr val="lt1"/>
+                </a:solidFill>
+                <a:latin typeface="+mn-lt"/>
+                <a:ea typeface="+mn-ea"/>
+                <a:cs typeface="+mn-cs"/>
+              </a:defRPr>
+            </a:lvl4pPr>
+            <a:lvl5pPr marL="1828800" algn="l" defTabSz="914400" rtl="0" eaLnBrk="1" latinLnBrk="0" hangingPunct="1">
+              <a:defRPr sz="1800" kern="1200">
+                <a:solidFill>
+                  <a:schemeClr val="lt1"/>
+                </a:solidFill>
+                <a:latin typeface="+mn-lt"/>
+                <a:ea typeface="+mn-ea"/>
+                <a:cs typeface="+mn-cs"/>
+              </a:defRPr>
+            </a:lvl5pPr>
+            <a:lvl6pPr marL="2286000" algn="l" defTabSz="914400" rtl="0" eaLnBrk="1" latinLnBrk="0" hangingPunct="1">
+              <a:defRPr sz="1800" kern="1200">
+                <a:solidFill>
+                  <a:schemeClr val="lt1"/>
+                </a:solidFill>
+                <a:latin typeface="+mn-lt"/>
+                <a:ea typeface="+mn-ea"/>
+                <a:cs typeface="+mn-cs"/>
+              </a:defRPr>
+            </a:lvl6pPr>
+            <a:lvl7pPr marL="2743200" algn="l" defTabSz="914400" rtl="0" eaLnBrk="1" latinLnBrk="0" hangingPunct="1">
+              <a:defRPr sz="1800" kern="1200">
+                <a:solidFill>
+                  <a:schemeClr val="lt1"/>
+                </a:solidFill>
+                <a:latin typeface="+mn-lt"/>
+                <a:ea typeface="+mn-ea"/>
+                <a:cs typeface="+mn-cs"/>
+              </a:defRPr>
+            </a:lvl7pPr>
+            <a:lvl8pPr marL="3200400" algn="l" defTabSz="914400" rtl="0" eaLnBrk="1" latinLnBrk="0" hangingPunct="1">
+              <a:defRPr sz="1800" kern="1200">
+                <a:solidFill>
+                  <a:schemeClr val="lt1"/>
+                </a:solidFill>
+                <a:latin typeface="+mn-lt"/>
+                <a:ea typeface="+mn-ea"/>
+                <a:cs typeface="+mn-cs"/>
+              </a:defRPr>
+            </a:lvl8pPr>
+            <a:lvl9pPr marL="3657600" algn="l" defTabSz="914400" rtl="0" eaLnBrk="1" latinLnBrk="0" hangingPunct="1">
+              <a:defRPr sz="1800" kern="1200">
+                <a:solidFill>
+                  <a:schemeClr val="lt1"/>
+                </a:solidFill>
+                <a:latin typeface="+mn-lt"/>
+                <a:ea typeface="+mn-ea"/>
+                <a:cs typeface="+mn-cs"/>
+              </a:defRPr>
+            </a:lvl9pPr>
+          </a:lstStyle>
+          <a:p>
+            <a:pPr algn="l"/>
+            <a:endParaRPr lang="de-DE" sz="1100"/>
+          </a:p>
+        </p:txBody>
+      </p:sp>
+      <p:sp>
+        <p:nvSpPr>
+          <p:cNvPr id="9" name="Freihandform 15">
+            <a:extLst>
+              <a:ext uri="{FF2B5EF4-FFF2-40B4-BE49-F238E27FC236}">
+                <a16:creationId xmlns:a16="http://schemas.microsoft.com/office/drawing/2014/main" id="{08CCC3EC-5921-C7AF-1A52-97AA4FDBFC1A}"/>
+              </a:ext>
+            </a:extLst>
+          </p:cNvPr>
+          <p:cNvSpPr/>
+          <p:nvPr/>
+        </p:nvSpPr>
+        <p:spPr>
+          <a:xfrm>
+            <a:off x="2319702" y="2208063"/>
+            <a:ext cx="2718824" cy="2377627"/>
+          </a:xfrm>
+          <a:custGeom>
+            <a:avLst/>
+            <a:gdLst>
+              <a:gd name="connsiteX0" fmla="*/ 0 w 4876800"/>
+              <a:gd name="connsiteY0" fmla="*/ 2400300 h 2408046"/>
+              <a:gd name="connsiteX1" fmla="*/ 266700 w 4876800"/>
+              <a:gd name="connsiteY1" fmla="*/ 2390775 h 2408046"/>
+              <a:gd name="connsiteX2" fmla="*/ 942975 w 4876800"/>
+              <a:gd name="connsiteY2" fmla="*/ 2247900 h 2408046"/>
+              <a:gd name="connsiteX3" fmla="*/ 1714500 w 4876800"/>
+              <a:gd name="connsiteY3" fmla="*/ 1847850 h 2408046"/>
+              <a:gd name="connsiteX4" fmla="*/ 2314575 w 4876800"/>
+              <a:gd name="connsiteY4" fmla="*/ 1266825 h 2408046"/>
+              <a:gd name="connsiteX5" fmla="*/ 3000375 w 4876800"/>
+              <a:gd name="connsiteY5" fmla="*/ 590550 h 2408046"/>
+              <a:gd name="connsiteX6" fmla="*/ 3676650 w 4876800"/>
+              <a:gd name="connsiteY6" fmla="*/ 190500 h 2408046"/>
+              <a:gd name="connsiteX7" fmla="*/ 4324350 w 4876800"/>
+              <a:gd name="connsiteY7" fmla="*/ 19050 h 2408046"/>
+              <a:gd name="connsiteX8" fmla="*/ 4876800 w 4876800"/>
+              <a:gd name="connsiteY8" fmla="*/ 0 h 2408046"/>
+            </a:gdLst>
+            <a:ahLst/>
+            <a:cxnLst>
+              <a:cxn ang="0">
+                <a:pos x="connsiteX0" y="connsiteY0"/>
+              </a:cxn>
+              <a:cxn ang="0">
+                <a:pos x="connsiteX1" y="connsiteY1"/>
+              </a:cxn>
+              <a:cxn ang="0">
+                <a:pos x="connsiteX2" y="connsiteY2"/>
+              </a:cxn>
+              <a:cxn ang="0">
+                <a:pos x="connsiteX3" y="connsiteY3"/>
+              </a:cxn>
+              <a:cxn ang="0">
+                <a:pos x="connsiteX4" y="connsiteY4"/>
+              </a:cxn>
+              <a:cxn ang="0">
+                <a:pos x="connsiteX5" y="connsiteY5"/>
+              </a:cxn>
+              <a:cxn ang="0">
+                <a:pos x="connsiteX6" y="connsiteY6"/>
+              </a:cxn>
+              <a:cxn ang="0">
+                <a:pos x="connsiteX7" y="connsiteY7"/>
+              </a:cxn>
+              <a:cxn ang="0">
+                <a:pos x="connsiteX8" y="connsiteY8"/>
+              </a:cxn>
+            </a:cxnLst>
+            <a:rect l="l" t="t" r="r" b="b"/>
+            <a:pathLst>
+              <a:path w="4876800" h="2408046">
+                <a:moveTo>
+                  <a:pt x="0" y="2400300"/>
+                </a:moveTo>
+                <a:cubicBezTo>
+                  <a:pt x="54769" y="2408237"/>
+                  <a:pt x="109538" y="2416175"/>
+                  <a:pt x="266700" y="2390775"/>
+                </a:cubicBezTo>
+                <a:cubicBezTo>
+                  <a:pt x="423862" y="2365375"/>
+                  <a:pt x="701675" y="2338387"/>
+                  <a:pt x="942975" y="2247900"/>
+                </a:cubicBezTo>
+                <a:cubicBezTo>
+                  <a:pt x="1184275" y="2157413"/>
+                  <a:pt x="1485900" y="2011362"/>
+                  <a:pt x="1714500" y="1847850"/>
+                </a:cubicBezTo>
+                <a:cubicBezTo>
+                  <a:pt x="1943100" y="1684338"/>
+                  <a:pt x="2314575" y="1266825"/>
+                  <a:pt x="2314575" y="1266825"/>
+                </a:cubicBezTo>
+                <a:cubicBezTo>
+                  <a:pt x="2528887" y="1057275"/>
+                  <a:pt x="2773363" y="769937"/>
+                  <a:pt x="3000375" y="590550"/>
+                </a:cubicBezTo>
+                <a:cubicBezTo>
+                  <a:pt x="3227387" y="411163"/>
+                  <a:pt x="3455988" y="285750"/>
+                  <a:pt x="3676650" y="190500"/>
+                </a:cubicBezTo>
+                <a:cubicBezTo>
+                  <a:pt x="3897312" y="95250"/>
+                  <a:pt x="4124325" y="50800"/>
+                  <a:pt x="4324350" y="19050"/>
+                </a:cubicBezTo>
+                <a:cubicBezTo>
+                  <a:pt x="4524375" y="-12700"/>
+                  <a:pt x="4792663" y="6350"/>
+                  <a:pt x="4876800" y="0"/>
+                </a:cubicBezTo>
+              </a:path>
+            </a:pathLst>
+          </a:custGeom>
+          <a:ln w="28575"/>
+        </p:spPr>
+        <p:style>
+          <a:lnRef idx="1">
+            <a:schemeClr val="accent1"/>
+          </a:lnRef>
+          <a:fillRef idx="0">
+            <a:schemeClr val="accent1"/>
+          </a:fillRef>
+          <a:effectRef idx="0">
+            <a:schemeClr val="accent1"/>
+          </a:effectRef>
+          <a:fontRef idx="minor">
+            <a:schemeClr val="tx1"/>
+          </a:fontRef>
+        </p:style>
+        <p:txBody>
+          <a:bodyPr rot="0" spcFirstLastPara="0" vert="horz" wrap="square" lIns="91440" tIns="45720" rIns="91440" bIns="45720" numCol="1" spcCol="0" rtlCol="0" fromWordArt="0" anchor="t" anchorCtr="0" forceAA="0" compatLnSpc="1">
+            <a:prstTxWarp prst="textNoShape">
+              <a:avLst/>
+            </a:prstTxWarp>
+            <a:noAutofit/>
+          </a:bodyPr>
+          <a:lstStyle>
+            <a:defPPr>
+              <a:defRPr lang="de-DE"/>
+            </a:defPPr>
+            <a:lvl1pPr marL="0" algn="l" defTabSz="914400" rtl="0" eaLnBrk="1" latinLnBrk="0" hangingPunct="1">
+              <a:defRPr sz="1800" kern="1200">
+                <a:solidFill>
+                  <a:schemeClr val="lt1"/>
+                </a:solidFill>
+                <a:latin typeface="+mn-lt"/>
+                <a:ea typeface="+mn-ea"/>
+                <a:cs typeface="+mn-cs"/>
+              </a:defRPr>
+            </a:lvl1pPr>
+            <a:lvl2pPr marL="457200" algn="l" defTabSz="914400" rtl="0" eaLnBrk="1" latinLnBrk="0" hangingPunct="1">
+              <a:defRPr sz="1800" kern="1200">
+                <a:solidFill>
+                  <a:schemeClr val="lt1"/>
+                </a:solidFill>
+                <a:latin typeface="+mn-lt"/>
+                <a:ea typeface="+mn-ea"/>
+                <a:cs typeface="+mn-cs"/>
+              </a:defRPr>
+            </a:lvl2pPr>
+            <a:lvl3pPr marL="914400" algn="l" defTabSz="914400" rtl="0" eaLnBrk="1" latinLnBrk="0" hangingPunct="1">
+              <a:defRPr sz="1800" kern="1200">
+                <a:solidFill>
+                  <a:schemeClr val="lt1"/>
+                </a:solidFill>
+                <a:latin typeface="+mn-lt"/>
+                <a:ea typeface="+mn-ea"/>
+                <a:cs typeface="+mn-cs"/>
+              </a:defRPr>
+            </a:lvl3pPr>
+            <a:lvl4pPr marL="1371600" algn="l" defTabSz="914400" rtl="0" eaLnBrk="1" latinLnBrk="0" hangingPunct="1">
+              <a:defRPr sz="1800" kern="1200">
+                <a:solidFill>
+                  <a:schemeClr val="lt1"/>
+                </a:solidFill>
+                <a:latin typeface="+mn-lt"/>
+                <a:ea typeface="+mn-ea"/>
+                <a:cs typeface="+mn-cs"/>
+              </a:defRPr>
+            </a:lvl4pPr>
+            <a:lvl5pPr marL="1828800" algn="l" defTabSz="914400" rtl="0" eaLnBrk="1" latinLnBrk="0" hangingPunct="1">
+              <a:defRPr sz="1800" kern="1200">
+                <a:solidFill>
+                  <a:schemeClr val="lt1"/>
+                </a:solidFill>
+                <a:latin typeface="+mn-lt"/>
+                <a:ea typeface="+mn-ea"/>
+                <a:cs typeface="+mn-cs"/>
+              </a:defRPr>
+            </a:lvl5pPr>
+            <a:lvl6pPr marL="2286000" algn="l" defTabSz="914400" rtl="0" eaLnBrk="1" latinLnBrk="0" hangingPunct="1">
+              <a:defRPr sz="1800" kern="1200">
+                <a:solidFill>
+                  <a:schemeClr val="lt1"/>
+                </a:solidFill>
+                <a:latin typeface="+mn-lt"/>
+                <a:ea typeface="+mn-ea"/>
+                <a:cs typeface="+mn-cs"/>
+              </a:defRPr>
+            </a:lvl6pPr>
+            <a:lvl7pPr marL="2743200" algn="l" defTabSz="914400" rtl="0" eaLnBrk="1" latinLnBrk="0" hangingPunct="1">
+              <a:defRPr sz="1800" kern="1200">
+                <a:solidFill>
+                  <a:schemeClr val="lt1"/>
+                </a:solidFill>
+                <a:latin typeface="+mn-lt"/>
+                <a:ea typeface="+mn-ea"/>
+                <a:cs typeface="+mn-cs"/>
+              </a:defRPr>
+            </a:lvl7pPr>
+            <a:lvl8pPr marL="3200400" algn="l" defTabSz="914400" rtl="0" eaLnBrk="1" latinLnBrk="0" hangingPunct="1">
+              <a:defRPr sz="1800" kern="1200">
+                <a:solidFill>
+                  <a:schemeClr val="lt1"/>
+                </a:solidFill>
+                <a:latin typeface="+mn-lt"/>
+                <a:ea typeface="+mn-ea"/>
+                <a:cs typeface="+mn-cs"/>
+              </a:defRPr>
+            </a:lvl8pPr>
+            <a:lvl9pPr marL="3657600" algn="l" defTabSz="914400" rtl="0" eaLnBrk="1" latinLnBrk="0" hangingPunct="1">
+              <a:defRPr sz="1800" kern="1200">
+                <a:solidFill>
+                  <a:schemeClr val="lt1"/>
+                </a:solidFill>
+                <a:latin typeface="+mn-lt"/>
+                <a:ea typeface="+mn-ea"/>
+                <a:cs typeface="+mn-cs"/>
+              </a:defRPr>
+            </a:lvl9pPr>
+          </a:lstStyle>
+          <a:p>
+            <a:pPr algn="l"/>
+            <a:endParaRPr lang="de-DE" sz="1100"/>
+          </a:p>
+        </p:txBody>
+      </p:sp>
+      <p:cxnSp>
+        <p:nvCxnSpPr>
+          <p:cNvPr id="11" name="Gerade Verbindung mit Pfeil 10">
+            <a:extLst>
+              <a:ext uri="{FF2B5EF4-FFF2-40B4-BE49-F238E27FC236}">
+                <a16:creationId xmlns:a16="http://schemas.microsoft.com/office/drawing/2014/main" id="{00F13A55-DF6D-93F2-98A5-82BDA68B7ACC}"/>
+              </a:ext>
+            </a:extLst>
+          </p:cNvPr>
+          <p:cNvCxnSpPr>
+            <a:cxnSpLocks/>
+          </p:cNvCxnSpPr>
+          <p:nvPr/>
+        </p:nvCxnSpPr>
+        <p:spPr>
+          <a:xfrm rot="2700000">
+            <a:off x="4278678" y="3494559"/>
+            <a:ext cx="285839" cy="0"/>
+          </a:xfrm>
+          <a:prstGeom prst="straightConnector1">
+            <a:avLst/>
+          </a:prstGeom>
+          <a:ln>
+            <a:solidFill>
+              <a:schemeClr val="bg1">
+                <a:lumMod val="65000"/>
+              </a:schemeClr>
+            </a:solidFill>
+            <a:tailEnd type="arrow"/>
+          </a:ln>
+        </p:spPr>
+        <p:style>
+          <a:lnRef idx="1">
+            <a:schemeClr val="accent1"/>
+          </a:lnRef>
+          <a:fillRef idx="0">
+            <a:schemeClr val="accent1"/>
+          </a:fillRef>
+          <a:effectRef idx="0">
+            <a:schemeClr val="accent1"/>
+          </a:effectRef>
+          <a:fontRef idx="minor">
+            <a:schemeClr val="tx1"/>
+          </a:fontRef>
+        </p:style>
+      </p:cxnSp>
+      <p:sp>
+        <p:nvSpPr>
+          <p:cNvPr id="12" name="Textfeld 11">
+            <a:extLst>
+              <a:ext uri="{FF2B5EF4-FFF2-40B4-BE49-F238E27FC236}">
+                <a16:creationId xmlns:a16="http://schemas.microsoft.com/office/drawing/2014/main" id="{2F52626F-0A86-163D-6B66-CCB003677FB7}"/>
+              </a:ext>
+            </a:extLst>
+          </p:cNvPr>
+          <p:cNvSpPr txBox="1"/>
+          <p:nvPr/>
+        </p:nvSpPr>
+        <p:spPr>
+          <a:xfrm>
+            <a:off x="3005752" y="4890719"/>
+            <a:ext cx="2161682" cy="307777"/>
+          </a:xfrm>
+          <a:prstGeom prst="rect">
+            <a:avLst/>
+          </a:prstGeom>
+          <a:noFill/>
+        </p:spPr>
+        <p:txBody>
+          <a:bodyPr wrap="none" rtlCol="0">
+            <a:spAutoFit/>
+          </a:bodyPr>
+          <a:lstStyle/>
+          <a:p>
+            <a:r>
+              <a:rPr lang="de-DE" sz="1400" dirty="0">
+                <a:latin typeface="Calibri" panose="020F0502020204030204" pitchFamily="34" charset="0"/>
+                <a:ea typeface="Calibri" panose="020F0502020204030204" pitchFamily="34" charset="0"/>
+                <a:cs typeface="Calibri" panose="020F0502020204030204" pitchFamily="34" charset="0"/>
+              </a:rPr>
+              <a:t>Voice </a:t>
+            </a:r>
+            <a:r>
+              <a:rPr lang="de-DE" sz="1400" dirty="0" err="1">
+                <a:latin typeface="Calibri" panose="020F0502020204030204" pitchFamily="34" charset="0"/>
+                <a:ea typeface="Calibri" panose="020F0502020204030204" pitchFamily="34" charset="0"/>
+                <a:cs typeface="Calibri" panose="020F0502020204030204" pitchFamily="34" charset="0"/>
+              </a:rPr>
+              <a:t>morphing</a:t>
+            </a:r>
+            <a:r>
+              <a:rPr lang="de-DE" sz="1400" dirty="0">
+                <a:latin typeface="Calibri" panose="020F0502020204030204" pitchFamily="34" charset="0"/>
+                <a:ea typeface="Calibri" panose="020F0502020204030204" pitchFamily="34" charset="0"/>
+                <a:cs typeface="Calibri" panose="020F0502020204030204" pitchFamily="34" charset="0"/>
+              </a:rPr>
+              <a:t> </a:t>
+            </a:r>
+            <a:r>
+              <a:rPr lang="de-DE" sz="1400" dirty="0" err="1">
+                <a:latin typeface="Calibri" panose="020F0502020204030204" pitchFamily="34" charset="0"/>
+                <a:ea typeface="Calibri" panose="020F0502020204030204" pitchFamily="34" charset="0"/>
+                <a:cs typeface="Calibri" panose="020F0502020204030204" pitchFamily="34" charset="0"/>
+              </a:rPr>
+              <a:t>continuum</a:t>
+            </a:r>
+            <a:endParaRPr lang="de-DE" sz="1400" dirty="0">
+              <a:latin typeface="Calibri" panose="020F0502020204030204" pitchFamily="34" charset="0"/>
+              <a:ea typeface="Calibri" panose="020F0502020204030204" pitchFamily="34" charset="0"/>
+              <a:cs typeface="Calibri" panose="020F0502020204030204" pitchFamily="34" charset="0"/>
+            </a:endParaRPr>
+          </a:p>
+        </p:txBody>
+      </p:sp>
+      <p:sp>
+        <p:nvSpPr>
+          <p:cNvPr id="13" name="Textfeld 12">
+            <a:extLst>
+              <a:ext uri="{FF2B5EF4-FFF2-40B4-BE49-F238E27FC236}">
+                <a16:creationId xmlns:a16="http://schemas.microsoft.com/office/drawing/2014/main" id="{89556AD0-4101-056F-AFAA-04EB968FC7C5}"/>
+              </a:ext>
+            </a:extLst>
+          </p:cNvPr>
+          <p:cNvSpPr txBox="1"/>
+          <p:nvPr/>
+        </p:nvSpPr>
+        <p:spPr>
+          <a:xfrm>
+            <a:off x="2077187" y="4610364"/>
+            <a:ext cx="1211852" cy="307777"/>
+          </a:xfrm>
+          <a:prstGeom prst="rect">
+            <a:avLst/>
+          </a:prstGeom>
+          <a:noFill/>
+        </p:spPr>
+        <p:txBody>
+          <a:bodyPr wrap="square" rtlCol="0">
+            <a:spAutoFit/>
+          </a:bodyPr>
+          <a:lstStyle/>
+          <a:p>
+            <a:r>
+              <a:rPr lang="de-DE" sz="1400" dirty="0">
+                <a:latin typeface="Calibri" panose="020F0502020204030204" pitchFamily="34" charset="0"/>
+                <a:ea typeface="Calibri" panose="020F0502020204030204" pitchFamily="34" charset="0"/>
+                <a:cs typeface="Calibri" panose="020F0502020204030204" pitchFamily="34" charset="0"/>
+              </a:rPr>
+              <a:t>100% Human</a:t>
+            </a:r>
+          </a:p>
+        </p:txBody>
+      </p:sp>
+      <p:sp>
+        <p:nvSpPr>
+          <p:cNvPr id="15" name="Textfeld 14">
+            <a:extLst>
+              <a:ext uri="{FF2B5EF4-FFF2-40B4-BE49-F238E27FC236}">
+                <a16:creationId xmlns:a16="http://schemas.microsoft.com/office/drawing/2014/main" id="{7B07630A-77E9-959C-1906-723F2A925041}"/>
+              </a:ext>
+            </a:extLst>
+          </p:cNvPr>
+          <p:cNvSpPr txBox="1"/>
+          <p:nvPr/>
+        </p:nvSpPr>
+        <p:spPr>
+          <a:xfrm>
+            <a:off x="4865105" y="4639531"/>
+            <a:ext cx="1431456" cy="307777"/>
+          </a:xfrm>
+          <a:prstGeom prst="rect">
+            <a:avLst/>
+          </a:prstGeom>
+          <a:noFill/>
+        </p:spPr>
+        <p:txBody>
+          <a:bodyPr wrap="square" rtlCol="0">
+            <a:spAutoFit/>
+          </a:bodyPr>
+          <a:lstStyle/>
+          <a:p>
+            <a:r>
+              <a:rPr lang="de-DE" sz="1400" dirty="0">
+                <a:latin typeface="Calibri" panose="020F0502020204030204" pitchFamily="34" charset="0"/>
+                <a:ea typeface="Calibri" panose="020F0502020204030204" pitchFamily="34" charset="0"/>
+                <a:cs typeface="Calibri" panose="020F0502020204030204" pitchFamily="34" charset="0"/>
+              </a:rPr>
+              <a:t>100% </a:t>
+            </a:r>
+            <a:r>
+              <a:rPr lang="de-DE" sz="1400" dirty="0" err="1">
+                <a:latin typeface="Calibri" panose="020F0502020204030204" pitchFamily="34" charset="0"/>
+                <a:ea typeface="Calibri" panose="020F0502020204030204" pitchFamily="34" charset="0"/>
+                <a:cs typeface="Calibri" panose="020F0502020204030204" pitchFamily="34" charset="0"/>
+              </a:rPr>
+              <a:t>Synthetic</a:t>
+            </a:r>
+            <a:endParaRPr lang="de-DE" sz="1400" dirty="0">
+              <a:latin typeface="Calibri" panose="020F0502020204030204" pitchFamily="34" charset="0"/>
+              <a:ea typeface="Calibri" panose="020F0502020204030204" pitchFamily="34" charset="0"/>
+              <a:cs typeface="Calibri" panose="020F0502020204030204" pitchFamily="34" charset="0"/>
+            </a:endParaRPr>
+          </a:p>
+        </p:txBody>
+      </p:sp>
+      <p:sp>
+        <p:nvSpPr>
+          <p:cNvPr id="16" name="Textfeld 15">
+            <a:extLst>
+              <a:ext uri="{FF2B5EF4-FFF2-40B4-BE49-F238E27FC236}">
+                <a16:creationId xmlns:a16="http://schemas.microsoft.com/office/drawing/2014/main" id="{0087CB5D-ACE7-11A9-349A-49E4E4109D50}"/>
+              </a:ext>
+            </a:extLst>
+          </p:cNvPr>
+          <p:cNvSpPr txBox="1"/>
+          <p:nvPr/>
+        </p:nvSpPr>
+        <p:spPr>
+          <a:xfrm>
+            <a:off x="855804" y="4135502"/>
+            <a:ext cx="1375761" cy="523220"/>
+          </a:xfrm>
+          <a:prstGeom prst="rect">
+            <a:avLst/>
+          </a:prstGeom>
+          <a:noFill/>
+        </p:spPr>
+        <p:txBody>
+          <a:bodyPr wrap="none" rtlCol="0">
+            <a:spAutoFit/>
+          </a:bodyPr>
+          <a:lstStyle/>
+          <a:p>
+            <a:r>
+              <a:rPr lang="de-DE" sz="1400" dirty="0">
+                <a:latin typeface="Calibri" panose="020F0502020204030204" pitchFamily="34" charset="0"/>
+                <a:ea typeface="Calibri" panose="020F0502020204030204" pitchFamily="34" charset="0"/>
+                <a:cs typeface="Calibri" panose="020F0502020204030204" pitchFamily="34" charset="0"/>
+              </a:rPr>
+              <a:t>Classification </a:t>
+            </a:r>
+            <a:r>
+              <a:rPr lang="de-DE" sz="1400" dirty="0" err="1">
+                <a:latin typeface="Calibri" panose="020F0502020204030204" pitchFamily="34" charset="0"/>
+                <a:ea typeface="Calibri" panose="020F0502020204030204" pitchFamily="34" charset="0"/>
+                <a:cs typeface="Calibri" panose="020F0502020204030204" pitchFamily="34" charset="0"/>
+              </a:rPr>
+              <a:t>as</a:t>
+            </a:r>
+            <a:r>
+              <a:rPr lang="de-DE" sz="1400" dirty="0">
+                <a:latin typeface="Calibri" panose="020F0502020204030204" pitchFamily="34" charset="0"/>
+                <a:ea typeface="Calibri" panose="020F0502020204030204" pitchFamily="34" charset="0"/>
+                <a:cs typeface="Calibri" panose="020F0502020204030204" pitchFamily="34" charset="0"/>
+              </a:rPr>
+              <a:t> </a:t>
+            </a:r>
+          </a:p>
+          <a:p>
+            <a:r>
+              <a:rPr lang="de-DE" sz="1400" dirty="0">
+                <a:latin typeface="Calibri" panose="020F0502020204030204" pitchFamily="34" charset="0"/>
+                <a:ea typeface="Calibri" panose="020F0502020204030204" pitchFamily="34" charset="0"/>
+                <a:cs typeface="Calibri" panose="020F0502020204030204" pitchFamily="34" charset="0"/>
+              </a:rPr>
+              <a:t>human </a:t>
+            </a:r>
+            <a:r>
+              <a:rPr lang="de-DE" sz="1400" dirty="0" err="1">
+                <a:latin typeface="Calibri" panose="020F0502020204030204" pitchFamily="34" charset="0"/>
+                <a:ea typeface="Calibri" panose="020F0502020204030204" pitchFamily="34" charset="0"/>
+                <a:cs typeface="Calibri" panose="020F0502020204030204" pitchFamily="34" charset="0"/>
+              </a:rPr>
+              <a:t>voice</a:t>
+            </a:r>
+            <a:endParaRPr lang="de-DE" sz="1400" dirty="0">
+              <a:latin typeface="Calibri" panose="020F0502020204030204" pitchFamily="34" charset="0"/>
+              <a:ea typeface="Calibri" panose="020F0502020204030204" pitchFamily="34" charset="0"/>
+              <a:cs typeface="Calibri" panose="020F0502020204030204" pitchFamily="34" charset="0"/>
+            </a:endParaRPr>
+          </a:p>
+        </p:txBody>
+      </p:sp>
+      <p:sp>
+        <p:nvSpPr>
+          <p:cNvPr id="19" name="Textfeld 18">
+            <a:extLst>
+              <a:ext uri="{FF2B5EF4-FFF2-40B4-BE49-F238E27FC236}">
+                <a16:creationId xmlns:a16="http://schemas.microsoft.com/office/drawing/2014/main" id="{BC89A820-5B40-F80A-23BC-79C910D04198}"/>
+              </a:ext>
+            </a:extLst>
+          </p:cNvPr>
+          <p:cNvSpPr txBox="1"/>
+          <p:nvPr/>
+        </p:nvSpPr>
+        <p:spPr>
+          <a:xfrm>
+            <a:off x="784798" y="1912255"/>
+            <a:ext cx="1375761" cy="523220"/>
+          </a:xfrm>
+          <a:prstGeom prst="rect">
+            <a:avLst/>
+          </a:prstGeom>
+          <a:noFill/>
+        </p:spPr>
+        <p:txBody>
+          <a:bodyPr wrap="none" rtlCol="0">
+            <a:spAutoFit/>
+          </a:bodyPr>
+          <a:lstStyle/>
+          <a:p>
+            <a:r>
+              <a:rPr lang="de-DE" sz="1400" dirty="0">
+                <a:latin typeface="Calibri" panose="020F0502020204030204" pitchFamily="34" charset="0"/>
+                <a:ea typeface="Calibri" panose="020F0502020204030204" pitchFamily="34" charset="0"/>
+                <a:cs typeface="Calibri" panose="020F0502020204030204" pitchFamily="34" charset="0"/>
+              </a:rPr>
+              <a:t>Classification </a:t>
+            </a:r>
+            <a:r>
+              <a:rPr lang="de-DE" sz="1400" dirty="0" err="1">
+                <a:latin typeface="Calibri" panose="020F0502020204030204" pitchFamily="34" charset="0"/>
+                <a:ea typeface="Calibri" panose="020F0502020204030204" pitchFamily="34" charset="0"/>
+                <a:cs typeface="Calibri" panose="020F0502020204030204" pitchFamily="34" charset="0"/>
+              </a:rPr>
+              <a:t>as</a:t>
+            </a:r>
+            <a:r>
+              <a:rPr lang="de-DE" sz="1400" dirty="0">
+                <a:latin typeface="Calibri" panose="020F0502020204030204" pitchFamily="34" charset="0"/>
+                <a:ea typeface="Calibri" panose="020F0502020204030204" pitchFamily="34" charset="0"/>
+                <a:cs typeface="Calibri" panose="020F0502020204030204" pitchFamily="34" charset="0"/>
+              </a:rPr>
+              <a:t> </a:t>
+            </a:r>
+          </a:p>
+          <a:p>
+            <a:r>
+              <a:rPr lang="de-DE" sz="1400" dirty="0" err="1">
+                <a:latin typeface="Calibri" panose="020F0502020204030204" pitchFamily="34" charset="0"/>
+                <a:ea typeface="Calibri" panose="020F0502020204030204" pitchFamily="34" charset="0"/>
+                <a:cs typeface="Calibri" panose="020F0502020204030204" pitchFamily="34" charset="0"/>
+              </a:rPr>
+              <a:t>synthetic</a:t>
+            </a:r>
+            <a:r>
+              <a:rPr lang="de-DE" sz="1400" dirty="0">
+                <a:latin typeface="Calibri" panose="020F0502020204030204" pitchFamily="34" charset="0"/>
+                <a:ea typeface="Calibri" panose="020F0502020204030204" pitchFamily="34" charset="0"/>
+                <a:cs typeface="Calibri" panose="020F0502020204030204" pitchFamily="34" charset="0"/>
+              </a:rPr>
+              <a:t> </a:t>
+            </a:r>
+            <a:r>
+              <a:rPr lang="de-DE" sz="1400" dirty="0" err="1">
+                <a:latin typeface="Calibri" panose="020F0502020204030204" pitchFamily="34" charset="0"/>
+                <a:ea typeface="Calibri" panose="020F0502020204030204" pitchFamily="34" charset="0"/>
+                <a:cs typeface="Calibri" panose="020F0502020204030204" pitchFamily="34" charset="0"/>
+              </a:rPr>
+              <a:t>voice</a:t>
+            </a:r>
+            <a:endParaRPr lang="de-DE" sz="1400" dirty="0">
+              <a:latin typeface="Calibri" panose="020F0502020204030204" pitchFamily="34" charset="0"/>
+              <a:ea typeface="Calibri" panose="020F0502020204030204" pitchFamily="34" charset="0"/>
+              <a:cs typeface="Calibri" panose="020F0502020204030204" pitchFamily="34" charset="0"/>
+            </a:endParaRPr>
+          </a:p>
+        </p:txBody>
+      </p:sp>
+      <p:cxnSp>
+        <p:nvCxnSpPr>
+          <p:cNvPr id="20" name="Gerade Verbindung mit Pfeil 19">
+            <a:extLst>
+              <a:ext uri="{FF2B5EF4-FFF2-40B4-BE49-F238E27FC236}">
+                <a16:creationId xmlns:a16="http://schemas.microsoft.com/office/drawing/2014/main" id="{F9ECD153-9155-F2B5-0AB2-762100E9EC84}"/>
+              </a:ext>
+            </a:extLst>
+          </p:cNvPr>
+          <p:cNvCxnSpPr>
+            <a:cxnSpLocks/>
+          </p:cNvCxnSpPr>
+          <p:nvPr/>
+        </p:nvCxnSpPr>
+        <p:spPr>
+          <a:xfrm rot="13500000">
+            <a:off x="3865122" y="3083706"/>
+            <a:ext cx="285839" cy="0"/>
+          </a:xfrm>
+          <a:prstGeom prst="straightConnector1">
+            <a:avLst/>
+          </a:prstGeom>
+          <a:ln>
+            <a:solidFill>
+              <a:schemeClr val="bg1">
+                <a:lumMod val="65000"/>
+              </a:schemeClr>
+            </a:solidFill>
+            <a:tailEnd type="arrow"/>
+          </a:ln>
+        </p:spPr>
+        <p:style>
+          <a:lnRef idx="1">
+            <a:schemeClr val="accent1"/>
+          </a:lnRef>
+          <a:fillRef idx="0">
+            <a:schemeClr val="accent1"/>
+          </a:fillRef>
+          <a:effectRef idx="0">
+            <a:schemeClr val="accent1"/>
+          </a:effectRef>
+          <a:fontRef idx="minor">
+            <a:schemeClr val="tx1"/>
+          </a:fontRef>
+        </p:style>
+      </p:cxnSp>
+      <p:cxnSp>
+        <p:nvCxnSpPr>
+          <p:cNvPr id="21" name="Gerade Verbindung mit Pfeil 20">
+            <a:extLst>
+              <a:ext uri="{FF2B5EF4-FFF2-40B4-BE49-F238E27FC236}">
+                <a16:creationId xmlns:a16="http://schemas.microsoft.com/office/drawing/2014/main" id="{2D8C9690-94EC-4FF5-3E9E-50677A548D6A}"/>
+              </a:ext>
+            </a:extLst>
+          </p:cNvPr>
+          <p:cNvCxnSpPr>
+            <a:cxnSpLocks/>
+          </p:cNvCxnSpPr>
+          <p:nvPr/>
+        </p:nvCxnSpPr>
+        <p:spPr>
+          <a:xfrm flipH="1">
+            <a:off x="4865105" y="2469654"/>
+            <a:ext cx="1057474" cy="0"/>
+          </a:xfrm>
+          <a:prstGeom prst="straightConnector1">
+            <a:avLst/>
+          </a:prstGeom>
+          <a:ln>
+            <a:solidFill>
+              <a:schemeClr val="tx1"/>
+            </a:solidFill>
+            <a:tailEnd type="triangle"/>
+          </a:ln>
+        </p:spPr>
+        <p:style>
+          <a:lnRef idx="2">
+            <a:schemeClr val="accent1"/>
+          </a:lnRef>
+          <a:fillRef idx="0">
+            <a:schemeClr val="accent1"/>
+          </a:fillRef>
+          <a:effectRef idx="1">
+            <a:schemeClr val="accent1"/>
+          </a:effectRef>
+          <a:fontRef idx="minor">
+            <a:schemeClr val="tx1"/>
+          </a:fontRef>
+        </p:style>
+      </p:cxnSp>
+      <p:sp>
+        <p:nvSpPr>
+          <p:cNvPr id="22" name="Textfeld 21">
+            <a:extLst>
+              <a:ext uri="{FF2B5EF4-FFF2-40B4-BE49-F238E27FC236}">
+                <a16:creationId xmlns:a16="http://schemas.microsoft.com/office/drawing/2014/main" id="{7C125E38-0DC2-9345-7930-67442C7E3A10}"/>
+              </a:ext>
+            </a:extLst>
+          </p:cNvPr>
+          <p:cNvSpPr txBox="1"/>
+          <p:nvPr/>
+        </p:nvSpPr>
+        <p:spPr>
+          <a:xfrm>
+            <a:off x="6008693" y="2315765"/>
+            <a:ext cx="2986972" cy="523220"/>
+          </a:xfrm>
+          <a:prstGeom prst="rect">
+            <a:avLst/>
+          </a:prstGeom>
+          <a:noFill/>
+        </p:spPr>
+        <p:txBody>
+          <a:bodyPr wrap="none" rtlCol="0">
+            <a:spAutoFit/>
+          </a:bodyPr>
+          <a:lstStyle/>
+          <a:p>
+            <a:r>
+              <a:rPr lang="de-DE" sz="1400" dirty="0">
+                <a:latin typeface="Calibri" panose="020F0502020204030204" pitchFamily="34" charset="0"/>
+                <a:ea typeface="Calibri" panose="020F0502020204030204" pitchFamily="34" charset="0"/>
+                <a:cs typeface="Calibri" panose="020F0502020204030204" pitchFamily="34" charset="0"/>
+              </a:rPr>
+              <a:t>1) Baseline: </a:t>
+            </a:r>
+          </a:p>
+          <a:p>
+            <a:r>
+              <a:rPr lang="de-DE" sz="1400" dirty="0">
+                <a:latin typeface="Calibri" panose="020F0502020204030204" pitchFamily="34" charset="0"/>
+                <a:ea typeface="Calibri" panose="020F0502020204030204" pitchFamily="34" charset="0"/>
+                <a:cs typeface="Calibri" panose="020F0502020204030204" pitchFamily="34" charset="0"/>
+              </a:rPr>
+              <a:t>Classification </a:t>
+            </a:r>
+            <a:r>
+              <a:rPr lang="de-DE" sz="1400" dirty="0" err="1">
+                <a:latin typeface="Calibri" panose="020F0502020204030204" pitchFamily="34" charset="0"/>
+                <a:ea typeface="Calibri" panose="020F0502020204030204" pitchFamily="34" charset="0"/>
+                <a:cs typeface="Calibri" panose="020F0502020204030204" pitchFamily="34" charset="0"/>
+              </a:rPr>
+              <a:t>without</a:t>
+            </a:r>
+            <a:r>
+              <a:rPr lang="de-DE" sz="1400" dirty="0">
+                <a:latin typeface="Calibri" panose="020F0502020204030204" pitchFamily="34" charset="0"/>
+                <a:ea typeface="Calibri" panose="020F0502020204030204" pitchFamily="34" charset="0"/>
+                <a:cs typeface="Calibri" panose="020F0502020204030204" pitchFamily="34" charset="0"/>
+              </a:rPr>
+              <a:t> </a:t>
+            </a:r>
+            <a:r>
+              <a:rPr lang="de-DE" sz="1400" dirty="0" err="1">
+                <a:latin typeface="Calibri" panose="020F0502020204030204" pitchFamily="34" charset="0"/>
+                <a:ea typeface="Calibri" panose="020F0502020204030204" pitchFamily="34" charset="0"/>
+                <a:cs typeface="Calibri" panose="020F0502020204030204" pitchFamily="34" charset="0"/>
+              </a:rPr>
+              <a:t>prior</a:t>
+            </a:r>
+            <a:r>
+              <a:rPr lang="de-DE" sz="1400" dirty="0">
+                <a:latin typeface="Calibri" panose="020F0502020204030204" pitchFamily="34" charset="0"/>
+                <a:ea typeface="Calibri" panose="020F0502020204030204" pitchFamily="34" charset="0"/>
+                <a:cs typeface="Calibri" panose="020F0502020204030204" pitchFamily="34" charset="0"/>
+              </a:rPr>
+              <a:t> </a:t>
+            </a:r>
+            <a:r>
+              <a:rPr lang="de-DE" sz="1400" dirty="0" err="1">
+                <a:latin typeface="Calibri" panose="020F0502020204030204" pitchFamily="34" charset="0"/>
+                <a:ea typeface="Calibri" panose="020F0502020204030204" pitchFamily="34" charset="0"/>
+                <a:cs typeface="Calibri" panose="020F0502020204030204" pitchFamily="34" charset="0"/>
+              </a:rPr>
+              <a:t>adaptation</a:t>
+            </a:r>
+            <a:endParaRPr lang="de-DE" sz="1400" dirty="0">
+              <a:latin typeface="Calibri" panose="020F0502020204030204" pitchFamily="34" charset="0"/>
+              <a:ea typeface="Calibri" panose="020F0502020204030204" pitchFamily="34" charset="0"/>
+              <a:cs typeface="Calibri" panose="020F0502020204030204" pitchFamily="34" charset="0"/>
+            </a:endParaRPr>
+          </a:p>
+        </p:txBody>
+      </p:sp>
+      <p:sp>
+        <p:nvSpPr>
+          <p:cNvPr id="29" name="Textfeld 28">
+            <a:extLst>
+              <a:ext uri="{FF2B5EF4-FFF2-40B4-BE49-F238E27FC236}">
+                <a16:creationId xmlns:a16="http://schemas.microsoft.com/office/drawing/2014/main" id="{7E476C0F-AB38-72A1-DF74-9FFB97F920C6}"/>
+              </a:ext>
+            </a:extLst>
+          </p:cNvPr>
+          <p:cNvSpPr txBox="1"/>
+          <p:nvPr/>
+        </p:nvSpPr>
+        <p:spPr>
+          <a:xfrm>
+            <a:off x="6008693" y="2779308"/>
+            <a:ext cx="3687484" cy="523220"/>
+          </a:xfrm>
+          <a:prstGeom prst="rect">
+            <a:avLst/>
+          </a:prstGeom>
+          <a:noFill/>
+        </p:spPr>
+        <p:txBody>
+          <a:bodyPr wrap="square" rtlCol="0">
+            <a:spAutoFit/>
+          </a:bodyPr>
+          <a:lstStyle/>
+          <a:p>
+            <a:r>
+              <a:rPr lang="de-DE" sz="1400" dirty="0">
+                <a:latin typeface="Calibri" panose="020F0502020204030204" pitchFamily="34" charset="0"/>
+                <a:ea typeface="Calibri" panose="020F0502020204030204" pitchFamily="34" charset="0"/>
+                <a:cs typeface="Calibri" panose="020F0502020204030204" pitchFamily="34" charset="0"/>
+              </a:rPr>
+              <a:t>2) After </a:t>
+            </a:r>
+            <a:r>
+              <a:rPr lang="de-DE" sz="1400" dirty="0" err="1">
+                <a:latin typeface="Calibri" panose="020F0502020204030204" pitchFamily="34" charset="0"/>
+                <a:ea typeface="Calibri" panose="020F0502020204030204" pitchFamily="34" charset="0"/>
+                <a:cs typeface="Calibri" panose="020F0502020204030204" pitchFamily="34" charset="0"/>
+              </a:rPr>
+              <a:t>adaptation</a:t>
+            </a:r>
+            <a:r>
+              <a:rPr lang="de-DE" sz="1400" dirty="0">
+                <a:latin typeface="Calibri" panose="020F0502020204030204" pitchFamily="34" charset="0"/>
+                <a:ea typeface="Calibri" panose="020F0502020204030204" pitchFamily="34" charset="0"/>
+                <a:cs typeface="Calibri" panose="020F0502020204030204" pitchFamily="34" charset="0"/>
+              </a:rPr>
+              <a:t> </a:t>
+            </a:r>
+            <a:r>
+              <a:rPr lang="de-DE" sz="1400" dirty="0" err="1">
+                <a:latin typeface="Calibri" panose="020F0502020204030204" pitchFamily="34" charset="0"/>
+                <a:ea typeface="Calibri" panose="020F0502020204030204" pitchFamily="34" charset="0"/>
+                <a:cs typeface="Calibri" panose="020F0502020204030204" pitchFamily="34" charset="0"/>
+              </a:rPr>
+              <a:t>to</a:t>
+            </a:r>
+            <a:r>
+              <a:rPr lang="de-DE" sz="1400" dirty="0">
+                <a:latin typeface="Calibri" panose="020F0502020204030204" pitchFamily="34" charset="0"/>
+                <a:ea typeface="Calibri" panose="020F0502020204030204" pitchFamily="34" charset="0"/>
+                <a:cs typeface="Calibri" panose="020F0502020204030204" pitchFamily="34" charset="0"/>
+              </a:rPr>
+              <a:t> human </a:t>
+            </a:r>
+            <a:r>
+              <a:rPr lang="de-DE" sz="1400" dirty="0" err="1">
+                <a:latin typeface="Calibri" panose="020F0502020204030204" pitchFamily="34" charset="0"/>
+                <a:ea typeface="Calibri" panose="020F0502020204030204" pitchFamily="34" charset="0"/>
+                <a:cs typeface="Calibri" panose="020F0502020204030204" pitchFamily="34" charset="0"/>
+              </a:rPr>
+              <a:t>voice</a:t>
+            </a:r>
+            <a:r>
+              <a:rPr lang="de-DE" sz="1400" dirty="0">
+                <a:latin typeface="Calibri" panose="020F0502020204030204" pitchFamily="34" charset="0"/>
+                <a:ea typeface="Calibri" panose="020F0502020204030204" pitchFamily="34" charset="0"/>
+                <a:cs typeface="Calibri" panose="020F0502020204030204" pitchFamily="34" charset="0"/>
+              </a:rPr>
+              <a:t>: </a:t>
+            </a:r>
+          </a:p>
+          <a:p>
+            <a:r>
+              <a:rPr lang="de-DE" sz="1400" dirty="0" err="1">
+                <a:latin typeface="Calibri" panose="020F0502020204030204" pitchFamily="34" charset="0"/>
+                <a:ea typeface="Calibri" panose="020F0502020204030204" pitchFamily="34" charset="0"/>
+                <a:cs typeface="Calibri" panose="020F0502020204030204" pitchFamily="34" charset="0"/>
+              </a:rPr>
+              <a:t>more</a:t>
+            </a:r>
+            <a:r>
+              <a:rPr lang="de-DE" sz="1400" dirty="0">
+                <a:latin typeface="Calibri" panose="020F0502020204030204" pitchFamily="34" charset="0"/>
+                <a:ea typeface="Calibri" panose="020F0502020204030204" pitchFamily="34" charset="0"/>
+                <a:cs typeface="Calibri" panose="020F0502020204030204" pitchFamily="34" charset="0"/>
+              </a:rPr>
+              <a:t> </a:t>
+            </a:r>
+            <a:r>
+              <a:rPr lang="de-DE" sz="1400" dirty="0" err="1">
+                <a:latin typeface="Calibri" panose="020F0502020204030204" pitchFamily="34" charset="0"/>
+                <a:ea typeface="Calibri" panose="020F0502020204030204" pitchFamily="34" charset="0"/>
+                <a:cs typeface="Calibri" panose="020F0502020204030204" pitchFamily="34" charset="0"/>
+              </a:rPr>
+              <a:t>often</a:t>
+            </a:r>
+            <a:r>
+              <a:rPr lang="de-DE" sz="1400" dirty="0">
+                <a:latin typeface="Calibri" panose="020F0502020204030204" pitchFamily="34" charset="0"/>
+                <a:ea typeface="Calibri" panose="020F0502020204030204" pitchFamily="34" charset="0"/>
+                <a:cs typeface="Calibri" panose="020F0502020204030204" pitchFamily="34" charset="0"/>
+              </a:rPr>
+              <a:t> </a:t>
+            </a:r>
+            <a:r>
+              <a:rPr lang="de-DE" sz="1400" dirty="0" err="1">
+                <a:latin typeface="Calibri" panose="020F0502020204030204" pitchFamily="34" charset="0"/>
+                <a:ea typeface="Calibri" panose="020F0502020204030204" pitchFamily="34" charset="0"/>
+                <a:cs typeface="Calibri" panose="020F0502020204030204" pitchFamily="34" charset="0"/>
+              </a:rPr>
+              <a:t>classified</a:t>
+            </a:r>
+            <a:r>
+              <a:rPr lang="de-DE" sz="1400" dirty="0">
+                <a:latin typeface="Calibri" panose="020F0502020204030204" pitchFamily="34" charset="0"/>
+                <a:ea typeface="Calibri" panose="020F0502020204030204" pitchFamily="34" charset="0"/>
+                <a:cs typeface="Calibri" panose="020F0502020204030204" pitchFamily="34" charset="0"/>
+              </a:rPr>
+              <a:t> </a:t>
+            </a:r>
+            <a:r>
+              <a:rPr lang="de-DE" sz="1400" dirty="0" err="1">
+                <a:latin typeface="Calibri" panose="020F0502020204030204" pitchFamily="34" charset="0"/>
+                <a:ea typeface="Calibri" panose="020F0502020204030204" pitchFamily="34" charset="0"/>
+                <a:cs typeface="Calibri" panose="020F0502020204030204" pitchFamily="34" charset="0"/>
+              </a:rPr>
+              <a:t>as</a:t>
+            </a:r>
+            <a:r>
+              <a:rPr lang="de-DE" sz="1400" dirty="0">
+                <a:latin typeface="Calibri" panose="020F0502020204030204" pitchFamily="34" charset="0"/>
+                <a:ea typeface="Calibri" panose="020F0502020204030204" pitchFamily="34" charset="0"/>
+                <a:cs typeface="Calibri" panose="020F0502020204030204" pitchFamily="34" charset="0"/>
+              </a:rPr>
+              <a:t> </a:t>
+            </a:r>
+            <a:r>
+              <a:rPr lang="de-DE" sz="1400" dirty="0" err="1">
+                <a:latin typeface="Calibri" panose="020F0502020204030204" pitchFamily="34" charset="0"/>
+                <a:ea typeface="Calibri" panose="020F0502020204030204" pitchFamily="34" charset="0"/>
+                <a:cs typeface="Calibri" panose="020F0502020204030204" pitchFamily="34" charset="0"/>
+              </a:rPr>
+              <a:t>synthetic</a:t>
+            </a:r>
+            <a:endParaRPr lang="de-DE" sz="1400" dirty="0">
+              <a:latin typeface="Calibri" panose="020F0502020204030204" pitchFamily="34" charset="0"/>
+              <a:ea typeface="Calibri" panose="020F0502020204030204" pitchFamily="34" charset="0"/>
+              <a:cs typeface="Calibri" panose="020F0502020204030204" pitchFamily="34" charset="0"/>
+            </a:endParaRPr>
+          </a:p>
+        </p:txBody>
+      </p:sp>
+      <p:cxnSp>
+        <p:nvCxnSpPr>
+          <p:cNvPr id="33" name="Gerade Verbindung mit Pfeil 32">
+            <a:extLst>
+              <a:ext uri="{FF2B5EF4-FFF2-40B4-BE49-F238E27FC236}">
+                <a16:creationId xmlns:a16="http://schemas.microsoft.com/office/drawing/2014/main" id="{ACADECB9-61D8-884A-5E04-8040411CD924}"/>
+              </a:ext>
+            </a:extLst>
+          </p:cNvPr>
+          <p:cNvCxnSpPr>
+            <a:cxnSpLocks/>
+          </p:cNvCxnSpPr>
+          <p:nvPr/>
+        </p:nvCxnSpPr>
+        <p:spPr>
+          <a:xfrm flipH="1">
+            <a:off x="3906982" y="2929591"/>
+            <a:ext cx="2015597" cy="0"/>
+          </a:xfrm>
+          <a:prstGeom prst="straightConnector1">
+            <a:avLst/>
+          </a:prstGeom>
+          <a:ln>
+            <a:solidFill>
+              <a:schemeClr val="tx1"/>
+            </a:solidFill>
+            <a:tailEnd type="triangle"/>
+          </a:ln>
+        </p:spPr>
+        <p:style>
+          <a:lnRef idx="2">
+            <a:schemeClr val="accent1"/>
+          </a:lnRef>
+          <a:fillRef idx="0">
+            <a:schemeClr val="accent1"/>
+          </a:fillRef>
+          <a:effectRef idx="1">
+            <a:schemeClr val="accent1"/>
+          </a:effectRef>
+          <a:fontRef idx="minor">
+            <a:schemeClr val="tx1"/>
+          </a:fontRef>
+        </p:style>
+      </p:cxnSp>
+      <p:sp>
+        <p:nvSpPr>
+          <p:cNvPr id="36" name="Textfeld 35">
+            <a:extLst>
+              <a:ext uri="{FF2B5EF4-FFF2-40B4-BE49-F238E27FC236}">
+                <a16:creationId xmlns:a16="http://schemas.microsoft.com/office/drawing/2014/main" id="{F300CDD5-650D-4334-11DB-36095ECB0310}"/>
+              </a:ext>
+            </a:extLst>
+          </p:cNvPr>
+          <p:cNvSpPr txBox="1"/>
+          <p:nvPr/>
+        </p:nvSpPr>
+        <p:spPr>
+          <a:xfrm>
+            <a:off x="6008693" y="3242851"/>
+            <a:ext cx="3687484" cy="523220"/>
+          </a:xfrm>
+          <a:prstGeom prst="rect">
+            <a:avLst/>
+          </a:prstGeom>
+          <a:noFill/>
+        </p:spPr>
+        <p:txBody>
+          <a:bodyPr wrap="square" rtlCol="0">
+            <a:spAutoFit/>
+          </a:bodyPr>
+          <a:lstStyle/>
+          <a:p>
+            <a:r>
+              <a:rPr lang="de-DE" sz="1400" dirty="0">
+                <a:latin typeface="Calibri" panose="020F0502020204030204" pitchFamily="34" charset="0"/>
+                <a:ea typeface="Calibri" panose="020F0502020204030204" pitchFamily="34" charset="0"/>
+                <a:cs typeface="Calibri" panose="020F0502020204030204" pitchFamily="34" charset="0"/>
+              </a:rPr>
+              <a:t>3) After </a:t>
+            </a:r>
+            <a:r>
+              <a:rPr lang="de-DE" sz="1400" dirty="0" err="1">
+                <a:latin typeface="Calibri" panose="020F0502020204030204" pitchFamily="34" charset="0"/>
+                <a:ea typeface="Calibri" panose="020F0502020204030204" pitchFamily="34" charset="0"/>
+                <a:cs typeface="Calibri" panose="020F0502020204030204" pitchFamily="34" charset="0"/>
+              </a:rPr>
+              <a:t>adaptation</a:t>
+            </a:r>
+            <a:r>
+              <a:rPr lang="de-DE" sz="1400" dirty="0">
+                <a:latin typeface="Calibri" panose="020F0502020204030204" pitchFamily="34" charset="0"/>
+                <a:ea typeface="Calibri" panose="020F0502020204030204" pitchFamily="34" charset="0"/>
+                <a:cs typeface="Calibri" panose="020F0502020204030204" pitchFamily="34" charset="0"/>
+              </a:rPr>
+              <a:t> </a:t>
+            </a:r>
+            <a:r>
+              <a:rPr lang="de-DE" sz="1400" dirty="0" err="1">
+                <a:latin typeface="Calibri" panose="020F0502020204030204" pitchFamily="34" charset="0"/>
+                <a:ea typeface="Calibri" panose="020F0502020204030204" pitchFamily="34" charset="0"/>
+                <a:cs typeface="Calibri" panose="020F0502020204030204" pitchFamily="34" charset="0"/>
+              </a:rPr>
+              <a:t>to</a:t>
+            </a:r>
+            <a:r>
+              <a:rPr lang="de-DE" sz="1400" dirty="0">
+                <a:latin typeface="Calibri" panose="020F0502020204030204" pitchFamily="34" charset="0"/>
+                <a:ea typeface="Calibri" panose="020F0502020204030204" pitchFamily="34" charset="0"/>
+                <a:cs typeface="Calibri" panose="020F0502020204030204" pitchFamily="34" charset="0"/>
+              </a:rPr>
+              <a:t> </a:t>
+            </a:r>
+            <a:r>
+              <a:rPr lang="de-DE" sz="1400" dirty="0" err="1">
+                <a:latin typeface="Calibri" panose="020F0502020204030204" pitchFamily="34" charset="0"/>
+                <a:ea typeface="Calibri" panose="020F0502020204030204" pitchFamily="34" charset="0"/>
+                <a:cs typeface="Calibri" panose="020F0502020204030204" pitchFamily="34" charset="0"/>
+              </a:rPr>
+              <a:t>synthetic</a:t>
+            </a:r>
+            <a:r>
+              <a:rPr lang="de-DE" sz="1400" dirty="0">
+                <a:latin typeface="Calibri" panose="020F0502020204030204" pitchFamily="34" charset="0"/>
+                <a:ea typeface="Calibri" panose="020F0502020204030204" pitchFamily="34" charset="0"/>
+                <a:cs typeface="Calibri" panose="020F0502020204030204" pitchFamily="34" charset="0"/>
+              </a:rPr>
+              <a:t> </a:t>
+            </a:r>
+            <a:r>
+              <a:rPr lang="de-DE" sz="1400" dirty="0" err="1">
+                <a:latin typeface="Calibri" panose="020F0502020204030204" pitchFamily="34" charset="0"/>
+                <a:ea typeface="Calibri" panose="020F0502020204030204" pitchFamily="34" charset="0"/>
+                <a:cs typeface="Calibri" panose="020F0502020204030204" pitchFamily="34" charset="0"/>
+              </a:rPr>
+              <a:t>voice</a:t>
+            </a:r>
+            <a:r>
+              <a:rPr lang="de-DE" sz="1400" dirty="0">
+                <a:latin typeface="Calibri" panose="020F0502020204030204" pitchFamily="34" charset="0"/>
+                <a:ea typeface="Calibri" panose="020F0502020204030204" pitchFamily="34" charset="0"/>
+                <a:cs typeface="Calibri" panose="020F0502020204030204" pitchFamily="34" charset="0"/>
+              </a:rPr>
+              <a:t>: </a:t>
+            </a:r>
+          </a:p>
+          <a:p>
+            <a:r>
+              <a:rPr lang="de-DE" sz="1400" dirty="0" err="1">
+                <a:latin typeface="Calibri" panose="020F0502020204030204" pitchFamily="34" charset="0"/>
+                <a:ea typeface="Calibri" panose="020F0502020204030204" pitchFamily="34" charset="0"/>
+                <a:cs typeface="Calibri" panose="020F0502020204030204" pitchFamily="34" charset="0"/>
+              </a:rPr>
+              <a:t>more</a:t>
+            </a:r>
+            <a:r>
+              <a:rPr lang="de-DE" sz="1400" dirty="0">
+                <a:latin typeface="Calibri" panose="020F0502020204030204" pitchFamily="34" charset="0"/>
+                <a:ea typeface="Calibri" panose="020F0502020204030204" pitchFamily="34" charset="0"/>
+                <a:cs typeface="Calibri" panose="020F0502020204030204" pitchFamily="34" charset="0"/>
+              </a:rPr>
+              <a:t> </a:t>
+            </a:r>
+            <a:r>
+              <a:rPr lang="de-DE" sz="1400" dirty="0" err="1">
+                <a:latin typeface="Calibri" panose="020F0502020204030204" pitchFamily="34" charset="0"/>
+                <a:ea typeface="Calibri" panose="020F0502020204030204" pitchFamily="34" charset="0"/>
+                <a:cs typeface="Calibri" panose="020F0502020204030204" pitchFamily="34" charset="0"/>
+              </a:rPr>
+              <a:t>often</a:t>
+            </a:r>
+            <a:r>
+              <a:rPr lang="de-DE" sz="1400" dirty="0">
+                <a:latin typeface="Calibri" panose="020F0502020204030204" pitchFamily="34" charset="0"/>
+                <a:ea typeface="Calibri" panose="020F0502020204030204" pitchFamily="34" charset="0"/>
+                <a:cs typeface="Calibri" panose="020F0502020204030204" pitchFamily="34" charset="0"/>
+              </a:rPr>
+              <a:t> </a:t>
+            </a:r>
+            <a:r>
+              <a:rPr lang="de-DE" sz="1400" dirty="0" err="1">
+                <a:latin typeface="Calibri" panose="020F0502020204030204" pitchFamily="34" charset="0"/>
+                <a:ea typeface="Calibri" panose="020F0502020204030204" pitchFamily="34" charset="0"/>
+                <a:cs typeface="Calibri" panose="020F0502020204030204" pitchFamily="34" charset="0"/>
+              </a:rPr>
+              <a:t>classified</a:t>
+            </a:r>
+            <a:r>
+              <a:rPr lang="de-DE" sz="1400" dirty="0">
+                <a:latin typeface="Calibri" panose="020F0502020204030204" pitchFamily="34" charset="0"/>
+                <a:ea typeface="Calibri" panose="020F0502020204030204" pitchFamily="34" charset="0"/>
+                <a:cs typeface="Calibri" panose="020F0502020204030204" pitchFamily="34" charset="0"/>
+              </a:rPr>
+              <a:t> </a:t>
+            </a:r>
+            <a:r>
+              <a:rPr lang="de-DE" sz="1400" dirty="0" err="1">
+                <a:latin typeface="Calibri" panose="020F0502020204030204" pitchFamily="34" charset="0"/>
+                <a:ea typeface="Calibri" panose="020F0502020204030204" pitchFamily="34" charset="0"/>
+                <a:cs typeface="Calibri" panose="020F0502020204030204" pitchFamily="34" charset="0"/>
+              </a:rPr>
+              <a:t>as</a:t>
+            </a:r>
+            <a:r>
+              <a:rPr lang="de-DE" sz="1400" dirty="0">
+                <a:latin typeface="Calibri" panose="020F0502020204030204" pitchFamily="34" charset="0"/>
+                <a:ea typeface="Calibri" panose="020F0502020204030204" pitchFamily="34" charset="0"/>
+                <a:cs typeface="Calibri" panose="020F0502020204030204" pitchFamily="34" charset="0"/>
+              </a:rPr>
+              <a:t> human</a:t>
+            </a:r>
+          </a:p>
+        </p:txBody>
+      </p:sp>
+      <p:cxnSp>
+        <p:nvCxnSpPr>
+          <p:cNvPr id="37" name="Gerade Verbindung mit Pfeil 36">
+            <a:extLst>
+              <a:ext uri="{FF2B5EF4-FFF2-40B4-BE49-F238E27FC236}">
+                <a16:creationId xmlns:a16="http://schemas.microsoft.com/office/drawing/2014/main" id="{CB7BE086-FB47-3B6A-1054-2936F66D91EE}"/>
+              </a:ext>
+            </a:extLst>
+          </p:cNvPr>
+          <p:cNvCxnSpPr>
+            <a:cxnSpLocks/>
+          </p:cNvCxnSpPr>
+          <p:nvPr/>
+        </p:nvCxnSpPr>
+        <p:spPr>
+          <a:xfrm flipH="1" flipV="1">
+            <a:off x="4736588" y="3389529"/>
+            <a:ext cx="1217819" cy="7347"/>
+          </a:xfrm>
+          <a:prstGeom prst="straightConnector1">
+            <a:avLst/>
+          </a:prstGeom>
+          <a:ln>
+            <a:solidFill>
+              <a:schemeClr val="tx1"/>
+            </a:solidFill>
+            <a:tailEnd type="triangle"/>
+          </a:ln>
+        </p:spPr>
+        <p:style>
+          <a:lnRef idx="2">
+            <a:schemeClr val="accent1"/>
+          </a:lnRef>
+          <a:fillRef idx="0">
+            <a:schemeClr val="accent1"/>
+          </a:fillRef>
+          <a:effectRef idx="1">
+            <a:schemeClr val="accent1"/>
+          </a:effectRef>
+          <a:fontRef idx="minor">
+            <a:schemeClr val="tx1"/>
+          </a:fontRef>
+        </p:style>
+      </p:cxnSp>
+    </p:spTree>
+    <p:extLst>
+      <p:ext uri="{BB962C8B-B14F-4D97-AF65-F5344CB8AC3E}">
+        <p14:creationId xmlns:p14="http://schemas.microsoft.com/office/powerpoint/2010/main" val="3596735330"/>
+      </p:ext>
+    </p:extLst>
+  </p:cSld>
+  <p:clrMapOvr>
+    <a:masterClrMapping/>
+  </p:clrMapOvr>
+</p:sld>
+</file>
+
+<file path=ppt/slides/slide9.xml><?xml version="1.0" encoding="utf-8"?>
 <p:sld xmlns:a="http://schemas.openxmlformats.org/drawingml/2006/main" xmlns:r="http://schemas.openxmlformats.org/officeDocument/2006/relationships" xmlns:p="http://schemas.openxmlformats.org/presentationml/2006/main">
   <p:cSld>
     <p:spTree>

--- a/PRIME/Kurzstipendium/DAAD_experiments.pptx
+++ b/PRIME/Kurzstipendium/DAAD_experiments.pptx
@@ -205,7 +205,7 @@
           <a:p>
             <a:fld id="{B061A044-314D-4329-9682-F6176F300576}" type="datetimeFigureOut">
               <a:rPr lang="en-US" smtClean="0"/>
-              <a:t>3/9/2025</a:t>
+              <a:t>3/10/2025</a:t>
             </a:fld>
             <a:endParaRPr lang="en-US"/>
           </a:p>
@@ -706,7 +706,7 @@
           <a:p>
             <a:fld id="{7733AE6D-9644-4FC2-AE05-59B9DC610BB8}" type="datetimeFigureOut">
               <a:rPr lang="en-US" smtClean="0"/>
-              <a:t>3/9/2025</a:t>
+              <a:t>3/10/2025</a:t>
             </a:fld>
             <a:endParaRPr lang="en-US"/>
           </a:p>
@@ -906,7 +906,7 @@
           <a:p>
             <a:fld id="{7733AE6D-9644-4FC2-AE05-59B9DC610BB8}" type="datetimeFigureOut">
               <a:rPr lang="en-US" smtClean="0"/>
-              <a:t>3/9/2025</a:t>
+              <a:t>3/10/2025</a:t>
             </a:fld>
             <a:endParaRPr lang="en-US"/>
           </a:p>
@@ -1116,7 +1116,7 @@
           <a:p>
             <a:fld id="{7733AE6D-9644-4FC2-AE05-59B9DC610BB8}" type="datetimeFigureOut">
               <a:rPr lang="en-US" smtClean="0"/>
-              <a:t>3/9/2025</a:t>
+              <a:t>3/10/2025</a:t>
             </a:fld>
             <a:endParaRPr lang="en-US"/>
           </a:p>
@@ -1316,7 +1316,7 @@
           <a:p>
             <a:fld id="{7733AE6D-9644-4FC2-AE05-59B9DC610BB8}" type="datetimeFigureOut">
               <a:rPr lang="en-US" smtClean="0"/>
-              <a:t>3/9/2025</a:t>
+              <a:t>3/10/2025</a:t>
             </a:fld>
             <a:endParaRPr lang="en-US"/>
           </a:p>
@@ -1592,7 +1592,7 @@
           <a:p>
             <a:fld id="{7733AE6D-9644-4FC2-AE05-59B9DC610BB8}" type="datetimeFigureOut">
               <a:rPr lang="en-US" smtClean="0"/>
-              <a:t>3/9/2025</a:t>
+              <a:t>3/10/2025</a:t>
             </a:fld>
             <a:endParaRPr lang="en-US"/>
           </a:p>
@@ -1860,7 +1860,7 @@
           <a:p>
             <a:fld id="{7733AE6D-9644-4FC2-AE05-59B9DC610BB8}" type="datetimeFigureOut">
               <a:rPr lang="en-US" smtClean="0"/>
-              <a:t>3/9/2025</a:t>
+              <a:t>3/10/2025</a:t>
             </a:fld>
             <a:endParaRPr lang="en-US"/>
           </a:p>
@@ -2275,7 +2275,7 @@
           <a:p>
             <a:fld id="{7733AE6D-9644-4FC2-AE05-59B9DC610BB8}" type="datetimeFigureOut">
               <a:rPr lang="en-US" smtClean="0"/>
-              <a:t>3/9/2025</a:t>
+              <a:t>3/10/2025</a:t>
             </a:fld>
             <a:endParaRPr lang="en-US"/>
           </a:p>
@@ -2417,7 +2417,7 @@
           <a:p>
             <a:fld id="{7733AE6D-9644-4FC2-AE05-59B9DC610BB8}" type="datetimeFigureOut">
               <a:rPr lang="en-US" smtClean="0"/>
-              <a:t>3/9/2025</a:t>
+              <a:t>3/10/2025</a:t>
             </a:fld>
             <a:endParaRPr lang="en-US"/>
           </a:p>
@@ -2530,7 +2530,7 @@
           <a:p>
             <a:fld id="{7733AE6D-9644-4FC2-AE05-59B9DC610BB8}" type="datetimeFigureOut">
               <a:rPr lang="en-US" smtClean="0"/>
-              <a:t>3/9/2025</a:t>
+              <a:t>3/10/2025</a:t>
             </a:fld>
             <a:endParaRPr lang="en-US"/>
           </a:p>
@@ -2843,7 +2843,7 @@
           <a:p>
             <a:fld id="{7733AE6D-9644-4FC2-AE05-59B9DC610BB8}" type="datetimeFigureOut">
               <a:rPr lang="en-US" smtClean="0"/>
-              <a:t>3/9/2025</a:t>
+              <a:t>3/10/2025</a:t>
             </a:fld>
             <a:endParaRPr lang="en-US"/>
           </a:p>
@@ -3132,7 +3132,7 @@
           <a:p>
             <a:fld id="{7733AE6D-9644-4FC2-AE05-59B9DC610BB8}" type="datetimeFigureOut">
               <a:rPr lang="en-US" smtClean="0"/>
-              <a:t>3/9/2025</a:t>
+              <a:t>3/10/2025</a:t>
             </a:fld>
             <a:endParaRPr lang="en-US"/>
           </a:p>
@@ -3375,7 +3375,7 @@
           <a:p>
             <a:fld id="{7733AE6D-9644-4FC2-AE05-59B9DC610BB8}" type="datetimeFigureOut">
               <a:rPr lang="en-US" smtClean="0"/>
-              <a:t>3/9/2025</a:t>
+              <a:t>3/10/2025</a:t>
             </a:fld>
             <a:endParaRPr lang="en-US"/>
           </a:p>
@@ -10168,14 +10168,14 @@
           <p:nvPr>
             <p:extLst>
               <p:ext uri="{D42A27DB-BD31-4B8C-83A1-F6EECF244321}">
-                <p14:modId xmlns:p14="http://schemas.microsoft.com/office/powerpoint/2010/main" val="914952650"/>
+                <p14:modId xmlns:p14="http://schemas.microsoft.com/office/powerpoint/2010/main" val="3386389743"/>
               </p:ext>
             </p:extLst>
           </p:nvPr>
         </p:nvGraphicFramePr>
         <p:xfrm>
           <a:off x="1093862" y="2047533"/>
-          <a:ext cx="9520014" cy="3810713"/>
+          <a:ext cx="9520014" cy="3993593"/>
         </p:xfrm>
         <a:graphic>
           <a:graphicData uri="http://schemas.openxmlformats.org/drawingml/2006/table">
@@ -10212,7 +10212,7 @@
                     <a:bodyPr/>
                     <a:lstStyle/>
                     <a:p>
-                      <a:endParaRPr lang="en-US"/>
+                      <a:endParaRPr lang="en-US" dirty="0"/>
                     </a:p>
                   </a:txBody>
                   <a:tcPr/>
@@ -10306,34 +10306,6 @@
                       <a:r>
                         <a:rPr lang="de-DE" sz="1200" dirty="0" err="1"/>
                         <a:t>analysis</a:t>
-                      </a:r>
-                      <a:r>
-                        <a:rPr lang="de-DE" sz="1200" dirty="0"/>
-                        <a:t> (</a:t>
-                      </a:r>
-                      <a:r>
-                        <a:rPr lang="de-DE" sz="1200" dirty="0" err="1"/>
-                        <a:t>determination</a:t>
-                      </a:r>
-                      <a:r>
-                        <a:rPr lang="de-DE" sz="1200" dirty="0"/>
-                        <a:t> </a:t>
-                      </a:r>
-                      <a:r>
-                        <a:rPr lang="de-DE" sz="1200" dirty="0" err="1"/>
-                        <a:t>of</a:t>
-                      </a:r>
-                      <a:r>
-                        <a:rPr lang="de-DE" sz="1200" dirty="0"/>
-                        <a:t> sample </a:t>
-                      </a:r>
-                      <a:r>
-                        <a:rPr lang="de-DE" sz="1200" dirty="0" err="1"/>
-                        <a:t>size</a:t>
-                      </a:r>
-                      <a:r>
-                        <a:rPr lang="de-DE" sz="1200" dirty="0"/>
-                        <a:t>)</a:t>
                       </a:r>
                       <a:endParaRPr lang="en-US" sz="1200" dirty="0"/>
                     </a:p>
@@ -10435,7 +10407,23 @@
                       </a:r>
                       <a:r>
                         <a:rPr lang="de-DE" sz="1200" dirty="0" err="1"/>
+                        <a:t>programming</a:t>
+                      </a:r>
+                      <a:r>
+                        <a:rPr lang="de-DE" sz="1200" dirty="0"/>
+                        <a:t> and </a:t>
+                      </a:r>
+                      <a:r>
+                        <a:rPr lang="de-DE" sz="1200" dirty="0" err="1"/>
                         <a:t>piloting</a:t>
+                      </a:r>
+                      <a:r>
+                        <a:rPr lang="de-DE" sz="1200" dirty="0"/>
+                        <a:t> </a:t>
+                      </a:r>
+                      <a:r>
+                        <a:rPr lang="de-DE" sz="1200" dirty="0" err="1"/>
+                        <a:t>experiment</a:t>
                       </a:r>
                       <a:r>
                         <a:rPr lang="de-DE" sz="1200" dirty="0"/>
@@ -10502,34 +10490,6 @@
                       <a:r>
                         <a:rPr lang="de-DE" sz="1200" dirty="0" err="1"/>
                         <a:t>analysis</a:t>
-                      </a:r>
-                      <a:r>
-                        <a:rPr lang="de-DE" sz="1200" dirty="0"/>
-                        <a:t> (</a:t>
-                      </a:r>
-                      <a:r>
-                        <a:rPr lang="de-DE" sz="1200" dirty="0" err="1"/>
-                        <a:t>determination</a:t>
-                      </a:r>
-                      <a:r>
-                        <a:rPr lang="de-DE" sz="1200" dirty="0"/>
-                        <a:t> </a:t>
-                      </a:r>
-                      <a:r>
-                        <a:rPr lang="de-DE" sz="1200" dirty="0" err="1"/>
-                        <a:t>of</a:t>
-                      </a:r>
-                      <a:r>
-                        <a:rPr lang="de-DE" sz="1200" dirty="0"/>
-                        <a:t> sample </a:t>
-                      </a:r>
-                      <a:r>
-                        <a:rPr lang="de-DE" sz="1200" dirty="0" err="1"/>
-                        <a:t>size</a:t>
-                      </a:r>
-                      <a:r>
-                        <a:rPr lang="de-DE" sz="1200" dirty="0"/>
-                        <a:t>)</a:t>
                       </a:r>
                       <a:endParaRPr lang="en-US" sz="1200" dirty="0"/>
                     </a:p>

--- a/PRIME/Kurzstipendium/DAAD_experiments.pptx
+++ b/PRIME/Kurzstipendium/DAAD_experiments.pptx
@@ -205,7 +205,7 @@
           <a:p>
             <a:fld id="{B061A044-314D-4329-9682-F6176F300576}" type="datetimeFigureOut">
               <a:rPr lang="en-US" smtClean="0"/>
-              <a:t>3/10/2025</a:t>
+              <a:t>11/11/2025</a:t>
             </a:fld>
             <a:endParaRPr lang="en-US"/>
           </a:p>
@@ -706,7 +706,7 @@
           <a:p>
             <a:fld id="{7733AE6D-9644-4FC2-AE05-59B9DC610BB8}" type="datetimeFigureOut">
               <a:rPr lang="en-US" smtClean="0"/>
-              <a:t>3/10/2025</a:t>
+              <a:t>11/11/2025</a:t>
             </a:fld>
             <a:endParaRPr lang="en-US"/>
           </a:p>
@@ -906,7 +906,7 @@
           <a:p>
             <a:fld id="{7733AE6D-9644-4FC2-AE05-59B9DC610BB8}" type="datetimeFigureOut">
               <a:rPr lang="en-US" smtClean="0"/>
-              <a:t>3/10/2025</a:t>
+              <a:t>11/11/2025</a:t>
             </a:fld>
             <a:endParaRPr lang="en-US"/>
           </a:p>
@@ -1116,7 +1116,7 @@
           <a:p>
             <a:fld id="{7733AE6D-9644-4FC2-AE05-59B9DC610BB8}" type="datetimeFigureOut">
               <a:rPr lang="en-US" smtClean="0"/>
-              <a:t>3/10/2025</a:t>
+              <a:t>11/11/2025</a:t>
             </a:fld>
             <a:endParaRPr lang="en-US"/>
           </a:p>
@@ -1316,7 +1316,7 @@
           <a:p>
             <a:fld id="{7733AE6D-9644-4FC2-AE05-59B9DC610BB8}" type="datetimeFigureOut">
               <a:rPr lang="en-US" smtClean="0"/>
-              <a:t>3/10/2025</a:t>
+              <a:t>11/11/2025</a:t>
             </a:fld>
             <a:endParaRPr lang="en-US"/>
           </a:p>
@@ -1592,7 +1592,7 @@
           <a:p>
             <a:fld id="{7733AE6D-9644-4FC2-AE05-59B9DC610BB8}" type="datetimeFigureOut">
               <a:rPr lang="en-US" smtClean="0"/>
-              <a:t>3/10/2025</a:t>
+              <a:t>11/11/2025</a:t>
             </a:fld>
             <a:endParaRPr lang="en-US"/>
           </a:p>
@@ -1860,7 +1860,7 @@
           <a:p>
             <a:fld id="{7733AE6D-9644-4FC2-AE05-59B9DC610BB8}" type="datetimeFigureOut">
               <a:rPr lang="en-US" smtClean="0"/>
-              <a:t>3/10/2025</a:t>
+              <a:t>11/11/2025</a:t>
             </a:fld>
             <a:endParaRPr lang="en-US"/>
           </a:p>
@@ -2275,7 +2275,7 @@
           <a:p>
             <a:fld id="{7733AE6D-9644-4FC2-AE05-59B9DC610BB8}" type="datetimeFigureOut">
               <a:rPr lang="en-US" smtClean="0"/>
-              <a:t>3/10/2025</a:t>
+              <a:t>11/11/2025</a:t>
             </a:fld>
             <a:endParaRPr lang="en-US"/>
           </a:p>
@@ -2417,7 +2417,7 @@
           <a:p>
             <a:fld id="{7733AE6D-9644-4FC2-AE05-59B9DC610BB8}" type="datetimeFigureOut">
               <a:rPr lang="en-US" smtClean="0"/>
-              <a:t>3/10/2025</a:t>
+              <a:t>11/11/2025</a:t>
             </a:fld>
             <a:endParaRPr lang="en-US"/>
           </a:p>
@@ -2530,7 +2530,7 @@
           <a:p>
             <a:fld id="{7733AE6D-9644-4FC2-AE05-59B9DC610BB8}" type="datetimeFigureOut">
               <a:rPr lang="en-US" smtClean="0"/>
-              <a:t>3/10/2025</a:t>
+              <a:t>11/11/2025</a:t>
             </a:fld>
             <a:endParaRPr lang="en-US"/>
           </a:p>
@@ -2843,7 +2843,7 @@
           <a:p>
             <a:fld id="{7733AE6D-9644-4FC2-AE05-59B9DC610BB8}" type="datetimeFigureOut">
               <a:rPr lang="en-US" smtClean="0"/>
-              <a:t>3/10/2025</a:t>
+              <a:t>11/11/2025</a:t>
             </a:fld>
             <a:endParaRPr lang="en-US"/>
           </a:p>
@@ -3132,7 +3132,7 @@
           <a:p>
             <a:fld id="{7733AE6D-9644-4FC2-AE05-59B9DC610BB8}" type="datetimeFigureOut">
               <a:rPr lang="en-US" smtClean="0"/>
-              <a:t>3/10/2025</a:t>
+              <a:t>11/11/2025</a:t>
             </a:fld>
             <a:endParaRPr lang="en-US"/>
           </a:p>
@@ -3375,7 +3375,7 @@
           <a:p>
             <a:fld id="{7733AE6D-9644-4FC2-AE05-59B9DC610BB8}" type="datetimeFigureOut">
               <a:rPr lang="en-US" smtClean="0"/>
-              <a:t>3/10/2025</a:t>
+              <a:t>11/11/2025</a:t>
             </a:fld>
             <a:endParaRPr lang="en-US"/>
           </a:p>
